--- a/datavisualisation project.pptx
+++ b/datavisualisation project.pptx
@@ -9,8 +9,8 @@
   </p:notesMasterIdLst>
   <p:sldIdLst>
     <p:sldId id="259" r:id="rId2"/>
-    <p:sldId id="258" r:id="rId3"/>
-    <p:sldId id="270" r:id="rId4"/>
+    <p:sldId id="270" r:id="rId3"/>
+    <p:sldId id="258" r:id="rId4"/>
     <p:sldId id="265" r:id="rId5"/>
     <p:sldId id="268" r:id="rId6"/>
     <p:sldId id="266" r:id="rId7"/>
@@ -4195,7 +4195,7 @@
         </p:nvSpPr>
         <p:spPr>
           <a:xfrm>
-            <a:off x="1524000" y="1122362"/>
+            <a:off x="1524000" y="783507"/>
             <a:ext cx="9144000" cy="2900518"/>
           </a:xfrm>
           <a:prstGeom prst="rect">
@@ -4609,6 +4609,110 @@
           </a:p>
         </p:txBody>
       </p:sp>
+      <p:sp>
+        <p:nvSpPr>
+          <p:cNvPr id="6" name="Google Shape;304;p35">
+            <a:extLst>
+              <a:ext uri="{FF2B5EF4-FFF2-40B4-BE49-F238E27FC236}">
+                <a16:creationId xmlns:a16="http://schemas.microsoft.com/office/drawing/2014/main" id="{D89C455F-8E96-27C0-C6D2-9B78CF91F326}"/>
+              </a:ext>
+            </a:extLst>
+          </p:cNvPr>
+          <p:cNvSpPr txBox="1">
+            <a:spLocks/>
+          </p:cNvSpPr>
+          <p:nvPr/>
+        </p:nvSpPr>
+        <p:spPr>
+          <a:xfrm>
+            <a:off x="1333123" y="2714215"/>
+            <a:ext cx="9144000" cy="1988777"/>
+          </a:xfrm>
+          <a:prstGeom prst="rect">
+            <a:avLst/>
+          </a:prstGeom>
+        </p:spPr>
+        <p:txBody>
+          <a:bodyPr spcFirstLastPara="1" vert="horz" lIns="121900" tIns="121900" rIns="121900" bIns="121900" rtlCol="0" anchor="b" anchorCtr="0">
+            <a:normAutofit/>
+          </a:bodyPr>
+          <a:lstStyle>
+            <a:lvl1pPr algn="ctr" defTabSz="914400" rtl="0" eaLnBrk="1" latinLnBrk="0" hangingPunct="1">
+              <a:lnSpc>
+                <a:spcPct val="90000"/>
+              </a:lnSpc>
+              <a:spcBef>
+                <a:spcPct val="0"/>
+              </a:spcBef>
+              <a:buNone/>
+              <a:defRPr sz="6000" kern="1200">
+                <a:solidFill>
+                  <a:schemeClr val="tx1"/>
+                </a:solidFill>
+                <a:latin typeface="+mj-lt"/>
+                <a:ea typeface="+mj-ea"/>
+                <a:cs typeface="+mj-cs"/>
+              </a:defRPr>
+            </a:lvl1pPr>
+          </a:lstStyle>
+          <a:p>
+            <a:r>
+              <a:rPr lang="fr-MC" sz="3600" dirty="0" err="1">
+                <a:solidFill>
+                  <a:schemeClr val="bg1"/>
+                </a:solidFill>
+                <a:latin typeface="Forte" panose="03060902040502070203" pitchFamily="66" charset="0"/>
+              </a:rPr>
+              <a:t>Biased</a:t>
+            </a:r>
+            <a:r>
+              <a:rPr lang="fr-MC" sz="3600" dirty="0">
+                <a:solidFill>
+                  <a:schemeClr val="bg1"/>
+                </a:solidFill>
+                <a:latin typeface="Forte" panose="03060902040502070203" pitchFamily="66" charset="0"/>
+              </a:rPr>
+              <a:t> A</a:t>
+            </a:r>
+            <a:r>
+              <a:rPr lang="fr-FR" sz="3600" dirty="0" err="1">
+                <a:solidFill>
+                  <a:schemeClr val="bg1"/>
+                </a:solidFill>
+                <a:latin typeface="Forte" panose="03060902040502070203" pitchFamily="66" charset="0"/>
+              </a:rPr>
+              <a:t>nalysis</a:t>
+            </a:r>
+            <a:r>
+              <a:rPr lang="fr-FR" sz="3600" dirty="0">
+                <a:solidFill>
+                  <a:schemeClr val="bg1"/>
+                </a:solidFill>
+                <a:latin typeface="Forte" panose="03060902040502070203" pitchFamily="66" charset="0"/>
+              </a:rPr>
+              <a:t> </a:t>
+            </a:r>
+            <a:r>
+              <a:rPr lang="fr-FR" sz="3600" dirty="0" err="1">
+                <a:solidFill>
+                  <a:schemeClr val="bg1"/>
+                </a:solidFill>
+                <a:latin typeface="Forte" panose="03060902040502070203" pitchFamily="66" charset="0"/>
+              </a:rPr>
+              <a:t>Provided</a:t>
+            </a:r>
+            <a:r>
+              <a:rPr lang="fr-FR" sz="3600" dirty="0">
+                <a:solidFill>
+                  <a:schemeClr val="bg1"/>
+                </a:solidFill>
+                <a:latin typeface="Forte" panose="03060902040502070203" pitchFamily="66" charset="0"/>
+              </a:rPr>
+              <a:t> By A Music Snob</a:t>
+            </a:r>
+          </a:p>
+        </p:txBody>
+      </p:sp>
     </p:spTree>
   </p:cSld>
   <p:clrMapOvr>
@@ -6926,1876 +7030,6 @@
 <file path=ppt/slides/slide2.xml><?xml version="1.0" encoding="utf-8"?>
 <p:sld xmlns:a="http://schemas.openxmlformats.org/drawingml/2006/main" xmlns:r="http://schemas.openxmlformats.org/officeDocument/2006/relationships" xmlns:p="http://schemas.openxmlformats.org/presentationml/2006/main">
   <p:cSld>
-    <p:spTree>
-      <p:nvGrpSpPr>
-        <p:cNvPr id="1" name=""/>
-        <p:cNvGrpSpPr/>
-        <p:nvPr/>
-      </p:nvGrpSpPr>
-      <p:grpSpPr>
-        <a:xfrm>
-          <a:off x="0" y="0"/>
-          <a:ext cx="0" cy="0"/>
-          <a:chOff x="0" y="0"/>
-          <a:chExt cx="0" cy="0"/>
-        </a:xfrm>
-      </p:grpSpPr>
-      <p:pic>
-        <p:nvPicPr>
-          <p:cNvPr id="45" name="Picture 6" descr="Music sheet">
-            <a:extLst>
-              <a:ext uri="{FF2B5EF4-FFF2-40B4-BE49-F238E27FC236}">
-                <a16:creationId xmlns:a16="http://schemas.microsoft.com/office/drawing/2014/main" id="{EA5BA1DE-4FE3-1DDD-7FB9-6834747C500A}"/>
-              </a:ext>
-            </a:extLst>
-          </p:cNvPr>
-          <p:cNvPicPr>
-            <a:picLocks noChangeAspect="1"/>
-          </p:cNvPicPr>
-          <p:nvPr/>
-        </p:nvPicPr>
-        <p:blipFill rotWithShape="1">
-          <a:blip r:embed="rId2">
-            <a:alphaModFix amt="20000"/>
-          </a:blip>
-          <a:srcRect t="15730"/>
-          <a:stretch/>
-        </p:blipFill>
-        <p:spPr>
-          <a:xfrm>
-            <a:off x="-127853" y="-21916"/>
-            <a:ext cx="12615127" cy="7096010"/>
-          </a:xfrm>
-          <a:prstGeom prst="rect">
-            <a:avLst/>
-          </a:prstGeom>
-        </p:spPr>
-      </p:pic>
-      <p:sp>
-        <p:nvSpPr>
-          <p:cNvPr id="25" name="ZoneTexte 24">
-            <a:extLst>
-              <a:ext uri="{FF2B5EF4-FFF2-40B4-BE49-F238E27FC236}">
-                <a16:creationId xmlns:a16="http://schemas.microsoft.com/office/drawing/2014/main" id="{8A07C420-5FA6-ED03-5B85-BF9F854DE225}"/>
-              </a:ext>
-            </a:extLst>
-          </p:cNvPr>
-          <p:cNvSpPr txBox="1"/>
-          <p:nvPr/>
-        </p:nvSpPr>
-        <p:spPr>
-          <a:xfrm rot="16200000">
-            <a:off x="-1097945" y="2158446"/>
-            <a:ext cx="2932211" cy="707886"/>
-          </a:xfrm>
-          <a:prstGeom prst="rect">
-            <a:avLst/>
-          </a:prstGeom>
-          <a:noFill/>
-        </p:spPr>
-        <p:txBody>
-          <a:bodyPr wrap="square" rtlCol="0">
-            <a:spAutoFit/>
-          </a:bodyPr>
-          <a:lstStyle/>
-          <a:p>
-            <a:r>
-              <a:rPr lang="en-US" sz="2000" b="0" dirty="0">
-                <a:effectLst/>
-                <a:latin typeface="Forte" panose="03060902040502070203" pitchFamily="66" charset="0"/>
-              </a:rPr>
-              <a:t>Music Genres by Number of Songs in the top 50</a:t>
-            </a:r>
-          </a:p>
-        </p:txBody>
-      </p:sp>
-      <p:cxnSp>
-        <p:nvCxnSpPr>
-          <p:cNvPr id="37" name="Connecteur droit 36">
-            <a:extLst>
-              <a:ext uri="{FF2B5EF4-FFF2-40B4-BE49-F238E27FC236}">
-                <a16:creationId xmlns:a16="http://schemas.microsoft.com/office/drawing/2014/main" id="{2F261271-DB0C-2905-5B0E-88DA7A97AAAA}"/>
-              </a:ext>
-            </a:extLst>
-          </p:cNvPr>
-          <p:cNvCxnSpPr>
-            <a:cxnSpLocks/>
-          </p:cNvCxnSpPr>
-          <p:nvPr/>
-        </p:nvCxnSpPr>
-        <p:spPr>
-          <a:xfrm>
-            <a:off x="1582993" y="2539960"/>
-            <a:ext cx="504000" cy="0"/>
-          </a:xfrm>
-          <a:prstGeom prst="line">
-            <a:avLst/>
-          </a:prstGeom>
-          <a:ln w="76200">
-            <a:solidFill>
-              <a:schemeClr val="tx1">
-                <a:lumMod val="75000"/>
-                <a:lumOff val="25000"/>
-              </a:schemeClr>
-            </a:solidFill>
-          </a:ln>
-        </p:spPr>
-        <p:style>
-          <a:lnRef idx="1">
-            <a:schemeClr val="accent1"/>
-          </a:lnRef>
-          <a:fillRef idx="0">
-            <a:schemeClr val="accent1"/>
-          </a:fillRef>
-          <a:effectRef idx="0">
-            <a:schemeClr val="accent1"/>
-          </a:effectRef>
-          <a:fontRef idx="minor">
-            <a:schemeClr val="tx1"/>
-          </a:fontRef>
-        </p:style>
-      </p:cxnSp>
-      <p:cxnSp>
-        <p:nvCxnSpPr>
-          <p:cNvPr id="38" name="Connecteur droit 37">
-            <a:extLst>
-              <a:ext uri="{FF2B5EF4-FFF2-40B4-BE49-F238E27FC236}">
-                <a16:creationId xmlns:a16="http://schemas.microsoft.com/office/drawing/2014/main" id="{0AE2E899-6250-D684-E21D-7CEE59A19978}"/>
-              </a:ext>
-            </a:extLst>
-          </p:cNvPr>
-          <p:cNvCxnSpPr/>
-          <p:nvPr/>
-        </p:nvCxnSpPr>
-        <p:spPr>
-          <a:xfrm>
-            <a:off x="1582993" y="3059802"/>
-            <a:ext cx="432000" cy="0"/>
-          </a:xfrm>
-          <a:prstGeom prst="line">
-            <a:avLst/>
-          </a:prstGeom>
-          <a:ln w="76200">
-            <a:solidFill>
-              <a:schemeClr val="tx1">
-                <a:lumMod val="75000"/>
-                <a:lumOff val="25000"/>
-              </a:schemeClr>
-            </a:solidFill>
-          </a:ln>
-        </p:spPr>
-        <p:style>
-          <a:lnRef idx="1">
-            <a:schemeClr val="accent1"/>
-          </a:lnRef>
-          <a:fillRef idx="0">
-            <a:schemeClr val="accent1"/>
-          </a:fillRef>
-          <a:effectRef idx="0">
-            <a:schemeClr val="accent1"/>
-          </a:effectRef>
-          <a:fontRef idx="minor">
-            <a:schemeClr val="tx1"/>
-          </a:fontRef>
-        </p:style>
-      </p:cxnSp>
-      <p:cxnSp>
-        <p:nvCxnSpPr>
-          <p:cNvPr id="39" name="Connecteur droit 38">
-            <a:extLst>
-              <a:ext uri="{FF2B5EF4-FFF2-40B4-BE49-F238E27FC236}">
-                <a16:creationId xmlns:a16="http://schemas.microsoft.com/office/drawing/2014/main" id="{7840B227-44FA-5058-D92B-3D98208CC224}"/>
-              </a:ext>
-            </a:extLst>
-          </p:cNvPr>
-          <p:cNvCxnSpPr>
-            <a:cxnSpLocks/>
-          </p:cNvCxnSpPr>
-          <p:nvPr/>
-        </p:nvCxnSpPr>
-        <p:spPr>
-          <a:xfrm>
-            <a:off x="1582993" y="3579644"/>
-            <a:ext cx="360000" cy="0"/>
-          </a:xfrm>
-          <a:prstGeom prst="line">
-            <a:avLst/>
-          </a:prstGeom>
-          <a:ln w="76200">
-            <a:solidFill>
-              <a:schemeClr val="tx1">
-                <a:lumMod val="75000"/>
-                <a:lumOff val="25000"/>
-              </a:schemeClr>
-            </a:solidFill>
-          </a:ln>
-        </p:spPr>
-        <p:style>
-          <a:lnRef idx="1">
-            <a:schemeClr val="accent1"/>
-          </a:lnRef>
-          <a:fillRef idx="0">
-            <a:schemeClr val="accent1"/>
-          </a:fillRef>
-          <a:effectRef idx="0">
-            <a:schemeClr val="accent1"/>
-          </a:effectRef>
-          <a:fontRef idx="minor">
-            <a:schemeClr val="tx1"/>
-          </a:fontRef>
-        </p:style>
-      </p:cxnSp>
-      <p:sp>
-        <p:nvSpPr>
-          <p:cNvPr id="40" name="ZoneTexte 39">
-            <a:extLst>
-              <a:ext uri="{FF2B5EF4-FFF2-40B4-BE49-F238E27FC236}">
-                <a16:creationId xmlns:a16="http://schemas.microsoft.com/office/drawing/2014/main" id="{B4E3A5D9-AC1A-833C-D5A3-F9B0D8E5F30D}"/>
-              </a:ext>
-            </a:extLst>
-          </p:cNvPr>
-          <p:cNvSpPr txBox="1"/>
-          <p:nvPr/>
-        </p:nvSpPr>
-        <p:spPr>
-          <a:xfrm rot="16200000">
-            <a:off x="1350872" y="2780804"/>
-            <a:ext cx="1926706" cy="523220"/>
-          </a:xfrm>
-          <a:prstGeom prst="rect">
-            <a:avLst/>
-          </a:prstGeom>
-          <a:noFill/>
-        </p:spPr>
-        <p:txBody>
-          <a:bodyPr wrap="square" rtlCol="0">
-            <a:spAutoFit/>
-          </a:bodyPr>
-          <a:lstStyle/>
-          <a:p>
-            <a:r>
-              <a:rPr lang="fr-MC" sz="2800" dirty="0">
-                <a:latin typeface="Forte Forward" panose="020B0604020202020204" pitchFamily="2" charset="0"/>
-                <a:cs typeface="Forte Forward" panose="020B0604020202020204" pitchFamily="2" charset="0"/>
-              </a:rPr>
-              <a:t>Dance Pop</a:t>
-            </a:r>
-            <a:endParaRPr lang="fr-FR" sz="2800" dirty="0">
-              <a:latin typeface="Forte Forward" panose="020B0604020202020204" pitchFamily="2" charset="0"/>
-              <a:cs typeface="Forte Forward" panose="020B0604020202020204" pitchFamily="2" charset="0"/>
-            </a:endParaRPr>
-          </a:p>
-        </p:txBody>
-      </p:sp>
-      <p:cxnSp>
-        <p:nvCxnSpPr>
-          <p:cNvPr id="5" name="Connecteur droit 4">
-            <a:extLst>
-              <a:ext uri="{FF2B5EF4-FFF2-40B4-BE49-F238E27FC236}">
-                <a16:creationId xmlns:a16="http://schemas.microsoft.com/office/drawing/2014/main" id="{CE600BB0-7F44-10C4-6BC7-E02D00174234}"/>
-              </a:ext>
-            </a:extLst>
-          </p:cNvPr>
-          <p:cNvCxnSpPr/>
-          <p:nvPr/>
-        </p:nvCxnSpPr>
-        <p:spPr>
-          <a:xfrm>
-            <a:off x="0" y="4011561"/>
-            <a:ext cx="9409471" cy="0"/>
-          </a:xfrm>
-          <a:prstGeom prst="line">
-            <a:avLst/>
-          </a:prstGeom>
-          <a:ln w="76200">
-            <a:solidFill>
-              <a:schemeClr val="tx1">
-                <a:lumMod val="75000"/>
-                <a:lumOff val="25000"/>
-              </a:schemeClr>
-            </a:solidFill>
-          </a:ln>
-        </p:spPr>
-        <p:style>
-          <a:lnRef idx="1">
-            <a:schemeClr val="accent1"/>
-          </a:lnRef>
-          <a:fillRef idx="0">
-            <a:schemeClr val="accent1"/>
-          </a:fillRef>
-          <a:effectRef idx="0">
-            <a:schemeClr val="accent1"/>
-          </a:effectRef>
-          <a:fontRef idx="minor">
-            <a:schemeClr val="tx1"/>
-          </a:fontRef>
-        </p:style>
-      </p:cxnSp>
-      <p:cxnSp>
-        <p:nvCxnSpPr>
-          <p:cNvPr id="6" name="Connecteur droit 5">
-            <a:extLst>
-              <a:ext uri="{FF2B5EF4-FFF2-40B4-BE49-F238E27FC236}">
-                <a16:creationId xmlns:a16="http://schemas.microsoft.com/office/drawing/2014/main" id="{10096BEB-5064-F55A-A735-96460A7C77D4}"/>
-              </a:ext>
-            </a:extLst>
-          </p:cNvPr>
-          <p:cNvCxnSpPr/>
-          <p:nvPr/>
-        </p:nvCxnSpPr>
-        <p:spPr>
-          <a:xfrm>
-            <a:off x="0" y="4513818"/>
-            <a:ext cx="8856000" cy="0"/>
-          </a:xfrm>
-          <a:prstGeom prst="line">
-            <a:avLst/>
-          </a:prstGeom>
-          <a:ln w="76200">
-            <a:solidFill>
-              <a:schemeClr val="tx1">
-                <a:lumMod val="75000"/>
-                <a:lumOff val="25000"/>
-              </a:schemeClr>
-            </a:solidFill>
-          </a:ln>
-        </p:spPr>
-        <p:style>
-          <a:lnRef idx="1">
-            <a:schemeClr val="accent1"/>
-          </a:lnRef>
-          <a:fillRef idx="0">
-            <a:schemeClr val="accent1"/>
-          </a:fillRef>
-          <a:effectRef idx="0">
-            <a:schemeClr val="accent1"/>
-          </a:effectRef>
-          <a:fontRef idx="minor">
-            <a:schemeClr val="tx1"/>
-          </a:fontRef>
-        </p:style>
-      </p:cxnSp>
-      <p:cxnSp>
-        <p:nvCxnSpPr>
-          <p:cNvPr id="7" name="Connecteur droit 6">
-            <a:extLst>
-              <a:ext uri="{FF2B5EF4-FFF2-40B4-BE49-F238E27FC236}">
-                <a16:creationId xmlns:a16="http://schemas.microsoft.com/office/drawing/2014/main" id="{913CA03D-1AF1-B1AB-AE7B-1C834F0AF248}"/>
-              </a:ext>
-            </a:extLst>
-          </p:cNvPr>
-          <p:cNvCxnSpPr/>
-          <p:nvPr/>
-        </p:nvCxnSpPr>
-        <p:spPr>
-          <a:xfrm>
-            <a:off x="0" y="5016075"/>
-            <a:ext cx="8301600" cy="0"/>
-          </a:xfrm>
-          <a:prstGeom prst="line">
-            <a:avLst/>
-          </a:prstGeom>
-          <a:ln w="76200">
-            <a:solidFill>
-              <a:schemeClr val="tx1">
-                <a:lumMod val="75000"/>
-                <a:lumOff val="25000"/>
-              </a:schemeClr>
-            </a:solidFill>
-          </a:ln>
-        </p:spPr>
-        <p:style>
-          <a:lnRef idx="1">
-            <a:schemeClr val="accent1"/>
-          </a:lnRef>
-          <a:fillRef idx="0">
-            <a:schemeClr val="accent1"/>
-          </a:fillRef>
-          <a:effectRef idx="0">
-            <a:schemeClr val="accent1"/>
-          </a:effectRef>
-          <a:fontRef idx="minor">
-            <a:schemeClr val="tx1"/>
-          </a:fontRef>
-        </p:style>
-      </p:cxnSp>
-      <p:cxnSp>
-        <p:nvCxnSpPr>
-          <p:cNvPr id="9" name="Connecteur droit 8">
-            <a:extLst>
-              <a:ext uri="{FF2B5EF4-FFF2-40B4-BE49-F238E27FC236}">
-                <a16:creationId xmlns:a16="http://schemas.microsoft.com/office/drawing/2014/main" id="{D3327577-43BF-5FDD-EF23-89CE5D29A907}"/>
-              </a:ext>
-            </a:extLst>
-          </p:cNvPr>
-          <p:cNvCxnSpPr/>
-          <p:nvPr/>
-        </p:nvCxnSpPr>
-        <p:spPr>
-          <a:xfrm>
-            <a:off x="0" y="5518332"/>
-            <a:ext cx="8301600" cy="0"/>
-          </a:xfrm>
-          <a:prstGeom prst="line">
-            <a:avLst/>
-          </a:prstGeom>
-          <a:ln w="76200">
-            <a:solidFill>
-              <a:schemeClr val="tx1">
-                <a:lumMod val="75000"/>
-                <a:lumOff val="25000"/>
-              </a:schemeClr>
-            </a:solidFill>
-          </a:ln>
-        </p:spPr>
-        <p:style>
-          <a:lnRef idx="1">
-            <a:schemeClr val="accent1"/>
-          </a:lnRef>
-          <a:fillRef idx="0">
-            <a:schemeClr val="accent1"/>
-          </a:fillRef>
-          <a:effectRef idx="0">
-            <a:schemeClr val="accent1"/>
-          </a:effectRef>
-          <a:fontRef idx="minor">
-            <a:schemeClr val="tx1"/>
-          </a:fontRef>
-        </p:style>
-      </p:cxnSp>
-      <p:cxnSp>
-        <p:nvCxnSpPr>
-          <p:cNvPr id="10" name="Connecteur droit 9">
-            <a:extLst>
-              <a:ext uri="{FF2B5EF4-FFF2-40B4-BE49-F238E27FC236}">
-                <a16:creationId xmlns:a16="http://schemas.microsoft.com/office/drawing/2014/main" id="{BED76231-FD94-5987-5265-11CB8C92B738}"/>
-              </a:ext>
-            </a:extLst>
-          </p:cNvPr>
-          <p:cNvCxnSpPr/>
-          <p:nvPr/>
-        </p:nvCxnSpPr>
-        <p:spPr>
-          <a:xfrm>
-            <a:off x="0" y="6020589"/>
-            <a:ext cx="7776000" cy="0"/>
-          </a:xfrm>
-          <a:prstGeom prst="line">
-            <a:avLst/>
-          </a:prstGeom>
-          <a:ln w="76200">
-            <a:solidFill>
-              <a:schemeClr val="tx1">
-                <a:lumMod val="75000"/>
-                <a:lumOff val="25000"/>
-              </a:schemeClr>
-            </a:solidFill>
-          </a:ln>
-        </p:spPr>
-        <p:style>
-          <a:lnRef idx="1">
-            <a:schemeClr val="accent1"/>
-          </a:lnRef>
-          <a:fillRef idx="0">
-            <a:schemeClr val="accent1"/>
-          </a:fillRef>
-          <a:effectRef idx="0">
-            <a:schemeClr val="accent1"/>
-          </a:effectRef>
-          <a:fontRef idx="minor">
-            <a:schemeClr val="tx1"/>
-          </a:fontRef>
-        </p:style>
-      </p:cxnSp>
-      <p:cxnSp>
-        <p:nvCxnSpPr>
-          <p:cNvPr id="17" name="Connecteur droit 16">
-            <a:extLst>
-              <a:ext uri="{FF2B5EF4-FFF2-40B4-BE49-F238E27FC236}">
-                <a16:creationId xmlns:a16="http://schemas.microsoft.com/office/drawing/2014/main" id="{38DED4D4-8CB3-EDC1-5121-4F519C3260B6}"/>
-              </a:ext>
-            </a:extLst>
-          </p:cNvPr>
-          <p:cNvCxnSpPr/>
-          <p:nvPr/>
-        </p:nvCxnSpPr>
-        <p:spPr>
-          <a:xfrm>
-            <a:off x="1582993" y="980434"/>
-            <a:ext cx="1080000" cy="0"/>
-          </a:xfrm>
-          <a:prstGeom prst="line">
-            <a:avLst/>
-          </a:prstGeom>
-          <a:ln w="76200">
-            <a:solidFill>
-              <a:schemeClr val="tx1">
-                <a:lumMod val="75000"/>
-                <a:lumOff val="25000"/>
-              </a:schemeClr>
-            </a:solidFill>
-          </a:ln>
-        </p:spPr>
-        <p:style>
-          <a:lnRef idx="1">
-            <a:schemeClr val="accent1"/>
-          </a:lnRef>
-          <a:fillRef idx="0">
-            <a:schemeClr val="accent1"/>
-          </a:fillRef>
-          <a:effectRef idx="0">
-            <a:schemeClr val="accent1"/>
-          </a:effectRef>
-          <a:fontRef idx="minor">
-            <a:schemeClr val="tx1"/>
-          </a:fontRef>
-        </p:style>
-      </p:cxnSp>
-      <p:pic>
-        <p:nvPicPr>
-          <p:cNvPr id="3" name="Image 2">
-            <a:extLst>
-              <a:ext uri="{FF2B5EF4-FFF2-40B4-BE49-F238E27FC236}">
-                <a16:creationId xmlns:a16="http://schemas.microsoft.com/office/drawing/2014/main" id="{FA4508BD-6B4F-918B-20F0-860A0FC19EC6}"/>
-              </a:ext>
-            </a:extLst>
-          </p:cNvPr>
-          <p:cNvPicPr>
-            <a:picLocks noChangeAspect="1"/>
-          </p:cNvPicPr>
-          <p:nvPr/>
-        </p:nvPicPr>
-        <p:blipFill>
-          <a:blip r:embed="rId3">
-            <a:extLst>
-              <a:ext uri="{28A0092B-C50C-407E-A947-70E740481C1C}">
-                <a14:useLocalDpi xmlns:a14="http://schemas.microsoft.com/office/drawing/2010/main" val="0"/>
-              </a:ext>
-            </a:extLst>
-          </a:blip>
-          <a:stretch>
-            <a:fillRect/>
-          </a:stretch>
-        </p:blipFill>
-        <p:spPr>
-          <a:xfrm>
-            <a:off x="171165" y="3077660"/>
-            <a:ext cx="1411828" cy="3858997"/>
-          </a:xfrm>
-          <a:prstGeom prst="rect">
-            <a:avLst/>
-          </a:prstGeom>
-        </p:spPr>
-      </p:pic>
-      <p:cxnSp>
-        <p:nvCxnSpPr>
-          <p:cNvPr id="19" name="Connecteur droit 18">
-            <a:extLst>
-              <a:ext uri="{FF2B5EF4-FFF2-40B4-BE49-F238E27FC236}">
-                <a16:creationId xmlns:a16="http://schemas.microsoft.com/office/drawing/2014/main" id="{F4360D96-F53E-336A-5BEF-4652BF301B0A}"/>
-              </a:ext>
-            </a:extLst>
-          </p:cNvPr>
-          <p:cNvCxnSpPr>
-            <a:cxnSpLocks/>
-          </p:cNvCxnSpPr>
-          <p:nvPr/>
-        </p:nvCxnSpPr>
-        <p:spPr>
-          <a:xfrm>
-            <a:off x="0" y="3974036"/>
-            <a:ext cx="0" cy="2084078"/>
-          </a:xfrm>
-          <a:prstGeom prst="line">
-            <a:avLst/>
-          </a:prstGeom>
-          <a:ln w="76200">
-            <a:solidFill>
-              <a:schemeClr val="tx1"/>
-            </a:solidFill>
-          </a:ln>
-        </p:spPr>
-        <p:style>
-          <a:lnRef idx="1">
-            <a:schemeClr val="accent1"/>
-          </a:lnRef>
-          <a:fillRef idx="0">
-            <a:schemeClr val="accent1"/>
-          </a:fillRef>
-          <a:effectRef idx="0">
-            <a:schemeClr val="accent1"/>
-          </a:effectRef>
-          <a:fontRef idx="minor">
-            <a:schemeClr val="tx1"/>
-          </a:fontRef>
-        </p:style>
-      </p:cxnSp>
-      <p:pic>
-        <p:nvPicPr>
-          <p:cNvPr id="21" name="Image 20">
-            <a:extLst>
-              <a:ext uri="{FF2B5EF4-FFF2-40B4-BE49-F238E27FC236}">
-                <a16:creationId xmlns:a16="http://schemas.microsoft.com/office/drawing/2014/main" id="{F0AA376A-74B3-ED75-3FBD-416B1290421C}"/>
-              </a:ext>
-            </a:extLst>
-          </p:cNvPr>
-          <p:cNvPicPr>
-            <a:picLocks noChangeAspect="1"/>
-          </p:cNvPicPr>
-          <p:nvPr/>
-        </p:nvPicPr>
-        <p:blipFill>
-          <a:blip r:embed="rId4">
-            <a:extLst>
-              <a:ext uri="{28A0092B-C50C-407E-A947-70E740481C1C}">
-                <a14:useLocalDpi xmlns:a14="http://schemas.microsoft.com/office/drawing/2010/main" val="0"/>
-              </a:ext>
-            </a:extLst>
-          </a:blip>
-          <a:stretch>
-            <a:fillRect/>
-          </a:stretch>
-        </p:blipFill>
-        <p:spPr>
-          <a:xfrm>
-            <a:off x="4165528" y="4447684"/>
-            <a:ext cx="1078413" cy="1572905"/>
-          </a:xfrm>
-          <a:prstGeom prst="rect">
-            <a:avLst/>
-          </a:prstGeom>
-          <a:ln>
-            <a:noFill/>
-          </a:ln>
-        </p:spPr>
-      </p:pic>
-      <p:pic>
-        <p:nvPicPr>
-          <p:cNvPr id="22" name="Image 21">
-            <a:extLst>
-              <a:ext uri="{FF2B5EF4-FFF2-40B4-BE49-F238E27FC236}">
-                <a16:creationId xmlns:a16="http://schemas.microsoft.com/office/drawing/2014/main" id="{7AF7424C-76B1-1973-EF92-F2922D8294DD}"/>
-              </a:ext>
-            </a:extLst>
-          </p:cNvPr>
-          <p:cNvPicPr>
-            <a:picLocks noChangeAspect="1"/>
-          </p:cNvPicPr>
-          <p:nvPr/>
-        </p:nvPicPr>
-        <p:blipFill>
-          <a:blip r:embed="rId4">
-            <a:extLst>
-              <a:ext uri="{28A0092B-C50C-407E-A947-70E740481C1C}">
-                <a14:useLocalDpi xmlns:a14="http://schemas.microsoft.com/office/drawing/2010/main" val="0"/>
-              </a:ext>
-            </a:extLst>
-          </a:blip>
-          <a:stretch>
-            <a:fillRect/>
-          </a:stretch>
-        </p:blipFill>
-        <p:spPr>
-          <a:xfrm>
-            <a:off x="5389326" y="4721396"/>
-            <a:ext cx="1078413" cy="1572905"/>
-          </a:xfrm>
-          <a:prstGeom prst="rect">
-            <a:avLst/>
-          </a:prstGeom>
-          <a:ln>
-            <a:noFill/>
-          </a:ln>
-        </p:spPr>
-      </p:pic>
-      <p:pic>
-        <p:nvPicPr>
-          <p:cNvPr id="23" name="Image 22">
-            <a:extLst>
-              <a:ext uri="{FF2B5EF4-FFF2-40B4-BE49-F238E27FC236}">
-                <a16:creationId xmlns:a16="http://schemas.microsoft.com/office/drawing/2014/main" id="{33807567-93F1-6525-7496-20BA9BAF9401}"/>
-              </a:ext>
-            </a:extLst>
-          </p:cNvPr>
-          <p:cNvPicPr>
-            <a:picLocks noChangeAspect="1"/>
-          </p:cNvPicPr>
-          <p:nvPr/>
-        </p:nvPicPr>
-        <p:blipFill>
-          <a:blip r:embed="rId4">
-            <a:extLst>
-              <a:ext uri="{28A0092B-C50C-407E-A947-70E740481C1C}">
-                <a14:useLocalDpi xmlns:a14="http://schemas.microsoft.com/office/drawing/2010/main" val="0"/>
-              </a:ext>
-            </a:extLst>
-          </a:blip>
-          <a:stretch>
-            <a:fillRect/>
-          </a:stretch>
-        </p:blipFill>
-        <p:spPr>
-          <a:xfrm>
-            <a:off x="6613262" y="4731879"/>
-            <a:ext cx="1078413" cy="1572905"/>
-          </a:xfrm>
-          <a:prstGeom prst="rect">
-            <a:avLst/>
-          </a:prstGeom>
-          <a:ln>
-            <a:noFill/>
-          </a:ln>
-        </p:spPr>
-      </p:pic>
-      <p:sp>
-        <p:nvSpPr>
-          <p:cNvPr id="2" name="ZoneTexte 1">
-            <a:extLst>
-              <a:ext uri="{FF2B5EF4-FFF2-40B4-BE49-F238E27FC236}">
-                <a16:creationId xmlns:a16="http://schemas.microsoft.com/office/drawing/2014/main" id="{65739927-AD62-D71B-E4D0-0436BEB8E68E}"/>
-              </a:ext>
-            </a:extLst>
-          </p:cNvPr>
-          <p:cNvSpPr txBox="1"/>
-          <p:nvPr/>
-        </p:nvSpPr>
-        <p:spPr>
-          <a:xfrm>
-            <a:off x="10094129" y="3751051"/>
-            <a:ext cx="1926706" cy="461665"/>
-          </a:xfrm>
-          <a:prstGeom prst="rect">
-            <a:avLst/>
-          </a:prstGeom>
-          <a:noFill/>
-        </p:spPr>
-        <p:txBody>
-          <a:bodyPr wrap="square" rtlCol="0">
-            <a:spAutoFit/>
-          </a:bodyPr>
-          <a:lstStyle/>
-          <a:p>
-            <a:r>
-              <a:rPr lang="fr-MC" sz="2400" dirty="0">
-                <a:latin typeface="Forte Forward" panose="020B0604020202020204" pitchFamily="2" charset="0"/>
-                <a:cs typeface="Forte Forward" panose="020B0604020202020204" pitchFamily="2" charset="0"/>
-              </a:rPr>
-              <a:t>Katty Perry </a:t>
-            </a:r>
-            <a:endParaRPr lang="fr-FR" sz="2400" dirty="0">
-              <a:latin typeface="Forte Forward" panose="020B0604020202020204" pitchFamily="2" charset="0"/>
-              <a:cs typeface="Forte Forward" panose="020B0604020202020204" pitchFamily="2" charset="0"/>
-            </a:endParaRPr>
-          </a:p>
-        </p:txBody>
-      </p:sp>
-      <p:sp>
-        <p:nvSpPr>
-          <p:cNvPr id="4" name="ZoneTexte 3">
-            <a:extLst>
-              <a:ext uri="{FF2B5EF4-FFF2-40B4-BE49-F238E27FC236}">
-                <a16:creationId xmlns:a16="http://schemas.microsoft.com/office/drawing/2014/main" id="{F5D7F001-91DA-928B-02E4-B24AF2025CF3}"/>
-              </a:ext>
-            </a:extLst>
-          </p:cNvPr>
-          <p:cNvSpPr txBox="1"/>
-          <p:nvPr/>
-        </p:nvSpPr>
-        <p:spPr>
-          <a:xfrm>
-            <a:off x="10094129" y="4277406"/>
-            <a:ext cx="2012877" cy="461665"/>
-          </a:xfrm>
-          <a:prstGeom prst="rect">
-            <a:avLst/>
-          </a:prstGeom>
-          <a:noFill/>
-        </p:spPr>
-        <p:txBody>
-          <a:bodyPr wrap="square" rtlCol="0">
-            <a:spAutoFit/>
-          </a:bodyPr>
-          <a:lstStyle/>
-          <a:p>
-            <a:r>
-              <a:rPr lang="fr-MC" sz="2400" dirty="0">
-                <a:latin typeface="Forte Forward" pitchFamily="2" charset="0"/>
-                <a:cs typeface="Forte Forward" pitchFamily="2" charset="0"/>
-              </a:rPr>
-              <a:t>Justin Bieber </a:t>
-            </a:r>
-            <a:endParaRPr lang="fr-FR" sz="2400" dirty="0">
-              <a:latin typeface="Forte Forward" pitchFamily="2" charset="0"/>
-              <a:cs typeface="Forte Forward" pitchFamily="2" charset="0"/>
-            </a:endParaRPr>
-          </a:p>
-        </p:txBody>
-      </p:sp>
-      <p:sp>
-        <p:nvSpPr>
-          <p:cNvPr id="8" name="ZoneTexte 7">
-            <a:extLst>
-              <a:ext uri="{FF2B5EF4-FFF2-40B4-BE49-F238E27FC236}">
-                <a16:creationId xmlns:a16="http://schemas.microsoft.com/office/drawing/2014/main" id="{DE36A325-71BA-C448-3EDD-DFFFADAE3426}"/>
-              </a:ext>
-            </a:extLst>
-          </p:cNvPr>
-          <p:cNvSpPr txBox="1"/>
-          <p:nvPr/>
-        </p:nvSpPr>
-        <p:spPr>
-          <a:xfrm>
-            <a:off x="10094129" y="4784566"/>
-            <a:ext cx="1677725" cy="461665"/>
-          </a:xfrm>
-          <a:prstGeom prst="rect">
-            <a:avLst/>
-          </a:prstGeom>
-          <a:noFill/>
-        </p:spPr>
-        <p:txBody>
-          <a:bodyPr wrap="square" rtlCol="0">
-            <a:spAutoFit/>
-          </a:bodyPr>
-          <a:lstStyle/>
-          <a:p>
-            <a:r>
-              <a:rPr lang="fr-MC" sz="2400" dirty="0">
-                <a:latin typeface="Forte Forward" pitchFamily="2" charset="0"/>
-                <a:cs typeface="Forte Forward" pitchFamily="2" charset="0"/>
-              </a:rPr>
-              <a:t>Marron 5  </a:t>
-            </a:r>
-            <a:endParaRPr lang="fr-FR" sz="2400" dirty="0">
-              <a:latin typeface="Forte Forward" pitchFamily="2" charset="0"/>
-              <a:cs typeface="Forte Forward" pitchFamily="2" charset="0"/>
-            </a:endParaRPr>
-          </a:p>
-        </p:txBody>
-      </p:sp>
-      <p:sp>
-        <p:nvSpPr>
-          <p:cNvPr id="11" name="ZoneTexte 10">
-            <a:extLst>
-              <a:ext uri="{FF2B5EF4-FFF2-40B4-BE49-F238E27FC236}">
-                <a16:creationId xmlns:a16="http://schemas.microsoft.com/office/drawing/2014/main" id="{47FF78B7-D814-8070-41B4-76A74790AE1B}"/>
-              </a:ext>
-            </a:extLst>
-          </p:cNvPr>
-          <p:cNvSpPr txBox="1"/>
-          <p:nvPr/>
-        </p:nvSpPr>
-        <p:spPr>
-          <a:xfrm>
-            <a:off x="10094129" y="5293077"/>
-            <a:ext cx="1677725" cy="461665"/>
-          </a:xfrm>
-          <a:prstGeom prst="rect">
-            <a:avLst/>
-          </a:prstGeom>
-          <a:noFill/>
-        </p:spPr>
-        <p:txBody>
-          <a:bodyPr wrap="square" rtlCol="0">
-            <a:spAutoFit/>
-          </a:bodyPr>
-          <a:lstStyle/>
-          <a:p>
-            <a:r>
-              <a:rPr lang="fr-MC" sz="2400" dirty="0">
-                <a:latin typeface="Forte Forward" pitchFamily="2" charset="0"/>
-                <a:cs typeface="Forte Forward" pitchFamily="2" charset="0"/>
-              </a:rPr>
-              <a:t>Rihanna </a:t>
-            </a:r>
-            <a:r>
-              <a:rPr lang="fr-MC" dirty="0"/>
-              <a:t> </a:t>
-            </a:r>
-            <a:endParaRPr lang="fr-FR" dirty="0"/>
-          </a:p>
-        </p:txBody>
-      </p:sp>
-      <p:sp>
-        <p:nvSpPr>
-          <p:cNvPr id="20" name="ZoneTexte 19">
-            <a:extLst>
-              <a:ext uri="{FF2B5EF4-FFF2-40B4-BE49-F238E27FC236}">
-                <a16:creationId xmlns:a16="http://schemas.microsoft.com/office/drawing/2014/main" id="{E04F8FD8-0618-1565-6B38-DEFDCC32B87F}"/>
-              </a:ext>
-            </a:extLst>
-          </p:cNvPr>
-          <p:cNvSpPr txBox="1"/>
-          <p:nvPr/>
-        </p:nvSpPr>
-        <p:spPr>
-          <a:xfrm>
-            <a:off x="10094129" y="5801588"/>
-            <a:ext cx="1958218" cy="461665"/>
-          </a:xfrm>
-          <a:prstGeom prst="rect">
-            <a:avLst/>
-          </a:prstGeom>
-          <a:noFill/>
-        </p:spPr>
-        <p:txBody>
-          <a:bodyPr wrap="square" rtlCol="0">
-            <a:spAutoFit/>
-          </a:bodyPr>
-          <a:lstStyle/>
-          <a:p>
-            <a:r>
-              <a:rPr lang="fr-MC" sz="2400" dirty="0">
-                <a:latin typeface="Forte Forward" pitchFamily="2" charset="0"/>
-                <a:cs typeface="Forte Forward" pitchFamily="2" charset="0"/>
-              </a:rPr>
-              <a:t>Lady Gaga  </a:t>
-            </a:r>
-            <a:endParaRPr lang="fr-FR" sz="2400" dirty="0">
-              <a:latin typeface="Forte Forward" pitchFamily="2" charset="0"/>
-              <a:cs typeface="Forte Forward" pitchFamily="2" charset="0"/>
-            </a:endParaRPr>
-          </a:p>
-        </p:txBody>
-      </p:sp>
-      <p:pic>
-        <p:nvPicPr>
-          <p:cNvPr id="24" name="Image 23">
-            <a:extLst>
-              <a:ext uri="{FF2B5EF4-FFF2-40B4-BE49-F238E27FC236}">
-                <a16:creationId xmlns:a16="http://schemas.microsoft.com/office/drawing/2014/main" id="{1E4662C9-F10B-362D-06B3-F8A421D3DEB9}"/>
-              </a:ext>
-            </a:extLst>
-          </p:cNvPr>
-          <p:cNvPicPr>
-            <a:picLocks noChangeAspect="1"/>
-          </p:cNvPicPr>
-          <p:nvPr/>
-        </p:nvPicPr>
-        <p:blipFill>
-          <a:blip r:embed="rId4">
-            <a:extLst>
-              <a:ext uri="{28A0092B-C50C-407E-A947-70E740481C1C}">
-                <a14:useLocalDpi xmlns:a14="http://schemas.microsoft.com/office/drawing/2010/main" val="0"/>
-              </a:ext>
-            </a:extLst>
-          </a:blip>
-          <a:stretch>
-            <a:fillRect/>
-          </a:stretch>
-        </p:blipFill>
-        <p:spPr>
-          <a:xfrm>
-            <a:off x="2941661" y="3945426"/>
-            <a:ext cx="1078413" cy="1572905"/>
-          </a:xfrm>
-          <a:prstGeom prst="rect">
-            <a:avLst/>
-          </a:prstGeom>
-          <a:ln>
-            <a:noFill/>
-          </a:ln>
-        </p:spPr>
-      </p:pic>
-      <p:sp>
-        <p:nvSpPr>
-          <p:cNvPr id="28" name="ZoneTexte 27">
-            <a:extLst>
-              <a:ext uri="{FF2B5EF4-FFF2-40B4-BE49-F238E27FC236}">
-                <a16:creationId xmlns:a16="http://schemas.microsoft.com/office/drawing/2014/main" id="{CF5ED373-A179-2597-1B67-53A4C59074C4}"/>
-              </a:ext>
-            </a:extLst>
-          </p:cNvPr>
-          <p:cNvSpPr txBox="1"/>
-          <p:nvPr/>
-        </p:nvSpPr>
-        <p:spPr>
-          <a:xfrm>
-            <a:off x="9409464" y="3780728"/>
-            <a:ext cx="739319" cy="461665"/>
-          </a:xfrm>
-          <a:prstGeom prst="rect">
-            <a:avLst/>
-          </a:prstGeom>
-          <a:noFill/>
-        </p:spPr>
-        <p:txBody>
-          <a:bodyPr wrap="square" rtlCol="0">
-            <a:spAutoFit/>
-          </a:bodyPr>
-          <a:lstStyle/>
-          <a:p>
-            <a:r>
-              <a:rPr lang="fr-MC" sz="2400" b="1" dirty="0"/>
-              <a:t>17</a:t>
-            </a:r>
-            <a:endParaRPr lang="fr-FR" sz="2400" b="1" dirty="0"/>
-          </a:p>
-        </p:txBody>
-      </p:sp>
-      <p:sp>
-        <p:nvSpPr>
-          <p:cNvPr id="29" name="ZoneTexte 28">
-            <a:extLst>
-              <a:ext uri="{FF2B5EF4-FFF2-40B4-BE49-F238E27FC236}">
-                <a16:creationId xmlns:a16="http://schemas.microsoft.com/office/drawing/2014/main" id="{4C3F1062-5AF6-445A-93B7-635B0408D274}"/>
-              </a:ext>
-            </a:extLst>
-          </p:cNvPr>
-          <p:cNvSpPr txBox="1"/>
-          <p:nvPr/>
-        </p:nvSpPr>
-        <p:spPr>
-          <a:xfrm>
-            <a:off x="8856000" y="4277407"/>
-            <a:ext cx="739319" cy="461665"/>
-          </a:xfrm>
-          <a:prstGeom prst="rect">
-            <a:avLst/>
-          </a:prstGeom>
-          <a:noFill/>
-        </p:spPr>
-        <p:txBody>
-          <a:bodyPr wrap="square" rtlCol="0">
-            <a:spAutoFit/>
-          </a:bodyPr>
-          <a:lstStyle/>
-          <a:p>
-            <a:r>
-              <a:rPr lang="fr-MC" sz="2400" b="1" dirty="0"/>
-              <a:t>16</a:t>
-            </a:r>
-            <a:endParaRPr lang="fr-FR" sz="2400" b="1" dirty="0"/>
-          </a:p>
-        </p:txBody>
-      </p:sp>
-      <p:sp>
-        <p:nvSpPr>
-          <p:cNvPr id="30" name="ZoneTexte 29">
-            <a:extLst>
-              <a:ext uri="{FF2B5EF4-FFF2-40B4-BE49-F238E27FC236}">
-                <a16:creationId xmlns:a16="http://schemas.microsoft.com/office/drawing/2014/main" id="{074B5948-A9C6-90B8-C00F-FE2E5B082080}"/>
-              </a:ext>
-            </a:extLst>
-          </p:cNvPr>
-          <p:cNvSpPr txBox="1"/>
-          <p:nvPr/>
-        </p:nvSpPr>
-        <p:spPr>
-          <a:xfrm>
-            <a:off x="8301600" y="4785242"/>
-            <a:ext cx="739319" cy="461665"/>
-          </a:xfrm>
-          <a:prstGeom prst="rect">
-            <a:avLst/>
-          </a:prstGeom>
-          <a:noFill/>
-        </p:spPr>
-        <p:txBody>
-          <a:bodyPr wrap="square" rtlCol="0">
-            <a:spAutoFit/>
-          </a:bodyPr>
-          <a:lstStyle/>
-          <a:p>
-            <a:r>
-              <a:rPr lang="fr-MC" sz="2400" b="1" dirty="0"/>
-              <a:t>15</a:t>
-            </a:r>
-            <a:endParaRPr lang="fr-FR" sz="2400" b="1" dirty="0"/>
-          </a:p>
-        </p:txBody>
-      </p:sp>
-      <p:sp>
-        <p:nvSpPr>
-          <p:cNvPr id="31" name="ZoneTexte 30">
-            <a:extLst>
-              <a:ext uri="{FF2B5EF4-FFF2-40B4-BE49-F238E27FC236}">
-                <a16:creationId xmlns:a16="http://schemas.microsoft.com/office/drawing/2014/main" id="{9C846BC6-3A01-3796-4747-A2A94601BE47}"/>
-              </a:ext>
-            </a:extLst>
-          </p:cNvPr>
-          <p:cNvSpPr txBox="1"/>
-          <p:nvPr/>
-        </p:nvSpPr>
-        <p:spPr>
-          <a:xfrm>
-            <a:off x="8301600" y="5293077"/>
-            <a:ext cx="739319" cy="461665"/>
-          </a:xfrm>
-          <a:prstGeom prst="rect">
-            <a:avLst/>
-          </a:prstGeom>
-          <a:noFill/>
-        </p:spPr>
-        <p:txBody>
-          <a:bodyPr wrap="square" rtlCol="0">
-            <a:spAutoFit/>
-          </a:bodyPr>
-          <a:lstStyle/>
-          <a:p>
-            <a:r>
-              <a:rPr lang="fr-MC" sz="2400" b="1" dirty="0"/>
-              <a:t>15</a:t>
-            </a:r>
-            <a:endParaRPr lang="fr-FR" sz="2400" b="1" dirty="0"/>
-          </a:p>
-        </p:txBody>
-      </p:sp>
-      <p:sp>
-        <p:nvSpPr>
-          <p:cNvPr id="32" name="ZoneTexte 31">
-            <a:extLst>
-              <a:ext uri="{FF2B5EF4-FFF2-40B4-BE49-F238E27FC236}">
-                <a16:creationId xmlns:a16="http://schemas.microsoft.com/office/drawing/2014/main" id="{2B109D41-6E14-57C9-DA58-4CAD6C4CB1EF}"/>
-              </a:ext>
-            </a:extLst>
-          </p:cNvPr>
-          <p:cNvSpPr txBox="1"/>
-          <p:nvPr/>
-        </p:nvSpPr>
-        <p:spPr>
-          <a:xfrm>
-            <a:off x="7772155" y="5789756"/>
-            <a:ext cx="739319" cy="461665"/>
-          </a:xfrm>
-          <a:prstGeom prst="rect">
-            <a:avLst/>
-          </a:prstGeom>
-          <a:noFill/>
-        </p:spPr>
-        <p:txBody>
-          <a:bodyPr wrap="square" rtlCol="0">
-            <a:spAutoFit/>
-          </a:bodyPr>
-          <a:lstStyle/>
-          <a:p>
-            <a:r>
-              <a:rPr lang="fr-MC" sz="2400" b="1" dirty="0"/>
-              <a:t>14</a:t>
-            </a:r>
-            <a:endParaRPr lang="fr-FR" sz="2400" b="1" dirty="0"/>
-          </a:p>
-        </p:txBody>
-      </p:sp>
-      <p:cxnSp>
-        <p:nvCxnSpPr>
-          <p:cNvPr id="33" name="Connecteur droit 32">
-            <a:extLst>
-              <a:ext uri="{FF2B5EF4-FFF2-40B4-BE49-F238E27FC236}">
-                <a16:creationId xmlns:a16="http://schemas.microsoft.com/office/drawing/2014/main" id="{1C926E4B-8825-529D-A7F1-5D9502A93F24}"/>
-              </a:ext>
-            </a:extLst>
-          </p:cNvPr>
-          <p:cNvCxnSpPr/>
-          <p:nvPr/>
-        </p:nvCxnSpPr>
-        <p:spPr>
-          <a:xfrm>
-            <a:off x="1599501" y="490056"/>
-            <a:ext cx="1080000" cy="0"/>
-          </a:xfrm>
-          <a:prstGeom prst="line">
-            <a:avLst/>
-          </a:prstGeom>
-          <a:ln w="76200">
-            <a:solidFill>
-              <a:schemeClr val="tx1">
-                <a:lumMod val="75000"/>
-                <a:lumOff val="25000"/>
-              </a:schemeClr>
-            </a:solidFill>
-          </a:ln>
-        </p:spPr>
-        <p:style>
-          <a:lnRef idx="1">
-            <a:schemeClr val="accent1"/>
-          </a:lnRef>
-          <a:fillRef idx="0">
-            <a:schemeClr val="accent1"/>
-          </a:fillRef>
-          <a:effectRef idx="0">
-            <a:schemeClr val="accent1"/>
-          </a:effectRef>
-          <a:fontRef idx="minor">
-            <a:schemeClr val="tx1"/>
-          </a:fontRef>
-        </p:style>
-      </p:cxnSp>
-      <p:cxnSp>
-        <p:nvCxnSpPr>
-          <p:cNvPr id="35" name="Connecteur droit 34">
-            <a:extLst>
-              <a:ext uri="{FF2B5EF4-FFF2-40B4-BE49-F238E27FC236}">
-                <a16:creationId xmlns:a16="http://schemas.microsoft.com/office/drawing/2014/main" id="{A58A7666-AF74-576D-23CA-E5F69FD5A269}"/>
-              </a:ext>
-            </a:extLst>
-          </p:cNvPr>
-          <p:cNvCxnSpPr/>
-          <p:nvPr/>
-        </p:nvCxnSpPr>
-        <p:spPr>
-          <a:xfrm>
-            <a:off x="1582993" y="1500276"/>
-            <a:ext cx="792000" cy="0"/>
-          </a:xfrm>
-          <a:prstGeom prst="line">
-            <a:avLst/>
-          </a:prstGeom>
-          <a:ln w="76200">
-            <a:solidFill>
-              <a:schemeClr val="tx1">
-                <a:lumMod val="75000"/>
-                <a:lumOff val="25000"/>
-              </a:schemeClr>
-            </a:solidFill>
-          </a:ln>
-        </p:spPr>
-        <p:style>
-          <a:lnRef idx="1">
-            <a:schemeClr val="accent1"/>
-          </a:lnRef>
-          <a:fillRef idx="0">
-            <a:schemeClr val="accent1"/>
-          </a:fillRef>
-          <a:effectRef idx="0">
-            <a:schemeClr val="accent1"/>
-          </a:effectRef>
-          <a:fontRef idx="minor">
-            <a:schemeClr val="tx1"/>
-          </a:fontRef>
-        </p:style>
-      </p:cxnSp>
-      <p:cxnSp>
-        <p:nvCxnSpPr>
-          <p:cNvPr id="36" name="Connecteur droit 35">
-            <a:extLst>
-              <a:ext uri="{FF2B5EF4-FFF2-40B4-BE49-F238E27FC236}">
-                <a16:creationId xmlns:a16="http://schemas.microsoft.com/office/drawing/2014/main" id="{2A49CEF2-E3F2-007D-CEEB-DB6B6548DC6C}"/>
-              </a:ext>
-            </a:extLst>
-          </p:cNvPr>
-          <p:cNvCxnSpPr/>
-          <p:nvPr/>
-        </p:nvCxnSpPr>
-        <p:spPr>
-          <a:xfrm>
-            <a:off x="1582993" y="2020118"/>
-            <a:ext cx="612000" cy="0"/>
-          </a:xfrm>
-          <a:prstGeom prst="line">
-            <a:avLst/>
-          </a:prstGeom>
-          <a:ln w="76200">
-            <a:solidFill>
-              <a:schemeClr val="tx1">
-                <a:lumMod val="75000"/>
-                <a:lumOff val="25000"/>
-              </a:schemeClr>
-            </a:solidFill>
-          </a:ln>
-        </p:spPr>
-        <p:style>
-          <a:lnRef idx="1">
-            <a:schemeClr val="accent1"/>
-          </a:lnRef>
-          <a:fillRef idx="0">
-            <a:schemeClr val="accent1"/>
-          </a:fillRef>
-          <a:effectRef idx="0">
-            <a:schemeClr val="accent1"/>
-          </a:effectRef>
-          <a:fontRef idx="minor">
-            <a:schemeClr val="tx1"/>
-          </a:fontRef>
-        </p:style>
-      </p:cxnSp>
-      <p:pic>
-        <p:nvPicPr>
-          <p:cNvPr id="34" name="Image 33">
-            <a:extLst>
-              <a:ext uri="{FF2B5EF4-FFF2-40B4-BE49-F238E27FC236}">
-                <a16:creationId xmlns:a16="http://schemas.microsoft.com/office/drawing/2014/main" id="{808226AA-950A-FA8E-B245-C6A5B5656048}"/>
-              </a:ext>
-            </a:extLst>
-          </p:cNvPr>
-          <p:cNvPicPr>
-            <a:picLocks/>
-          </p:cNvPicPr>
-          <p:nvPr/>
-        </p:nvPicPr>
-        <p:blipFill>
-          <a:blip r:embed="rId4">
-            <a:extLst>
-              <a:ext uri="{28A0092B-C50C-407E-A947-70E740481C1C}">
-                <a14:useLocalDpi xmlns:a14="http://schemas.microsoft.com/office/drawing/2010/main" val="0"/>
-              </a:ext>
-            </a:extLst>
-          </a:blip>
-          <a:stretch>
-            <a:fillRect/>
-          </a:stretch>
-        </p:blipFill>
-        <p:spPr>
-          <a:xfrm flipV="1">
-            <a:off x="1808341" y="221665"/>
-            <a:ext cx="1078413" cy="1573200"/>
-          </a:xfrm>
-          <a:prstGeom prst="rect">
-            <a:avLst/>
-          </a:prstGeom>
-          <a:ln>
-            <a:noFill/>
-          </a:ln>
-        </p:spPr>
-      </p:pic>
-      <p:sp>
-        <p:nvSpPr>
-          <p:cNvPr id="41" name="ZoneTexte 40">
-            <a:extLst>
-              <a:ext uri="{FF2B5EF4-FFF2-40B4-BE49-F238E27FC236}">
-                <a16:creationId xmlns:a16="http://schemas.microsoft.com/office/drawing/2014/main" id="{A3766FFF-D495-EBBA-5EED-3C07F485F956}"/>
-              </a:ext>
-            </a:extLst>
-          </p:cNvPr>
-          <p:cNvSpPr txBox="1"/>
-          <p:nvPr/>
-        </p:nvSpPr>
-        <p:spPr>
-          <a:xfrm rot="16200000">
-            <a:off x="2514075" y="2753233"/>
-            <a:ext cx="1926706" cy="523220"/>
-          </a:xfrm>
-          <a:prstGeom prst="rect">
-            <a:avLst/>
-          </a:prstGeom>
-          <a:noFill/>
-        </p:spPr>
-        <p:txBody>
-          <a:bodyPr wrap="square" rtlCol="0">
-            <a:spAutoFit/>
-          </a:bodyPr>
-          <a:lstStyle/>
-          <a:p>
-            <a:r>
-              <a:rPr lang="fr-MC" sz="2800" dirty="0">
-                <a:latin typeface="Forte Forward" panose="020B0604020202020204" pitchFamily="2" charset="0"/>
-                <a:cs typeface="Forte Forward" panose="020B0604020202020204" pitchFamily="2" charset="0"/>
-              </a:rPr>
-              <a:t>Pop</a:t>
-            </a:r>
-            <a:endParaRPr lang="fr-FR" sz="2800" dirty="0">
-              <a:latin typeface="Forte Forward" panose="020B0604020202020204" pitchFamily="2" charset="0"/>
-              <a:cs typeface="Forte Forward" panose="020B0604020202020204" pitchFamily="2" charset="0"/>
-            </a:endParaRPr>
-          </a:p>
-        </p:txBody>
-      </p:sp>
-      <p:sp>
-        <p:nvSpPr>
-          <p:cNvPr id="42" name="ZoneTexte 41">
-            <a:extLst>
-              <a:ext uri="{FF2B5EF4-FFF2-40B4-BE49-F238E27FC236}">
-                <a16:creationId xmlns:a16="http://schemas.microsoft.com/office/drawing/2014/main" id="{D4C44E1C-90DA-9C98-5F73-894361A53C92}"/>
-              </a:ext>
-            </a:extLst>
-          </p:cNvPr>
-          <p:cNvSpPr txBox="1"/>
-          <p:nvPr/>
-        </p:nvSpPr>
-        <p:spPr>
-          <a:xfrm rot="16200000">
-            <a:off x="3232880" y="2256526"/>
-            <a:ext cx="2943704" cy="523220"/>
-          </a:xfrm>
-          <a:prstGeom prst="rect">
-            <a:avLst/>
-          </a:prstGeom>
-          <a:noFill/>
-        </p:spPr>
-        <p:txBody>
-          <a:bodyPr wrap="square" rtlCol="0">
-            <a:spAutoFit/>
-          </a:bodyPr>
-          <a:lstStyle/>
-          <a:p>
-            <a:r>
-              <a:rPr lang="fr-MC" sz="2800" dirty="0">
-                <a:latin typeface="Forte Forward" panose="020B0604020202020204" pitchFamily="2" charset="0"/>
-                <a:cs typeface="Forte Forward" panose="020B0604020202020204" pitchFamily="2" charset="0"/>
-              </a:rPr>
-              <a:t>Canadian Pop</a:t>
-            </a:r>
-            <a:endParaRPr lang="fr-FR" sz="2800" dirty="0">
-              <a:latin typeface="Forte Forward" panose="020B0604020202020204" pitchFamily="2" charset="0"/>
-              <a:cs typeface="Forte Forward" panose="020B0604020202020204" pitchFamily="2" charset="0"/>
-            </a:endParaRPr>
-          </a:p>
-        </p:txBody>
-      </p:sp>
-      <p:sp>
-        <p:nvSpPr>
-          <p:cNvPr id="43" name="ZoneTexte 42">
-            <a:extLst>
-              <a:ext uri="{FF2B5EF4-FFF2-40B4-BE49-F238E27FC236}">
-                <a16:creationId xmlns:a16="http://schemas.microsoft.com/office/drawing/2014/main" id="{17B43C44-C4A9-F2BC-B74A-5889F86D4ABF}"/>
-              </a:ext>
-            </a:extLst>
-          </p:cNvPr>
-          <p:cNvSpPr txBox="1"/>
-          <p:nvPr/>
-        </p:nvSpPr>
-        <p:spPr>
-          <a:xfrm rot="16200000">
-            <a:off x="5651662" y="2265323"/>
-            <a:ext cx="2803039" cy="523220"/>
-          </a:xfrm>
-          <a:prstGeom prst="rect">
-            <a:avLst/>
-          </a:prstGeom>
-          <a:noFill/>
-        </p:spPr>
-        <p:txBody>
-          <a:bodyPr wrap="square" rtlCol="0">
-            <a:spAutoFit/>
-          </a:bodyPr>
-          <a:lstStyle/>
-          <a:p>
-            <a:r>
-              <a:rPr lang="en-US" sz="2800" dirty="0">
-                <a:latin typeface="Forte Forward" panose="020B0604020202020204" pitchFamily="2" charset="0"/>
-                <a:cs typeface="Forte Forward" panose="020B0604020202020204" pitchFamily="2" charset="0"/>
-              </a:rPr>
-              <a:t>Barbadian</a:t>
-            </a:r>
-            <a:r>
-              <a:rPr lang="fr-MC" sz="2800" dirty="0">
-                <a:latin typeface="Forte Forward" panose="020B0604020202020204" pitchFamily="2" charset="0"/>
-                <a:cs typeface="Forte Forward" panose="020B0604020202020204" pitchFamily="2" charset="0"/>
-              </a:rPr>
-              <a:t> Pop</a:t>
-            </a:r>
-            <a:endParaRPr lang="fr-FR" sz="2800" dirty="0">
-              <a:latin typeface="Forte Forward" panose="020B0604020202020204" pitchFamily="2" charset="0"/>
-              <a:cs typeface="Forte Forward" panose="020B0604020202020204" pitchFamily="2" charset="0"/>
-            </a:endParaRPr>
-          </a:p>
-        </p:txBody>
-      </p:sp>
-      <p:sp>
-        <p:nvSpPr>
-          <p:cNvPr id="44" name="ZoneTexte 43">
-            <a:extLst>
-              <a:ext uri="{FF2B5EF4-FFF2-40B4-BE49-F238E27FC236}">
-                <a16:creationId xmlns:a16="http://schemas.microsoft.com/office/drawing/2014/main" id="{03693647-4D5D-2857-0E9A-8E1DA5DDFC38}"/>
-              </a:ext>
-            </a:extLst>
-          </p:cNvPr>
-          <p:cNvSpPr txBox="1"/>
-          <p:nvPr/>
-        </p:nvSpPr>
-        <p:spPr>
-          <a:xfrm rot="16200000">
-            <a:off x="4530517" y="2348431"/>
-            <a:ext cx="2803039" cy="523220"/>
-          </a:xfrm>
-          <a:prstGeom prst="rect">
-            <a:avLst/>
-          </a:prstGeom>
-          <a:noFill/>
-        </p:spPr>
-        <p:txBody>
-          <a:bodyPr wrap="square" rtlCol="0">
-            <a:spAutoFit/>
-          </a:bodyPr>
-          <a:lstStyle/>
-          <a:p>
-            <a:r>
-              <a:rPr lang="fr-MC" sz="2800" dirty="0">
-                <a:latin typeface="Forte Forward" panose="020B0604020202020204" pitchFamily="2" charset="0"/>
-                <a:cs typeface="Forte Forward" panose="020B0604020202020204" pitchFamily="2" charset="0"/>
-              </a:rPr>
-              <a:t>Boy Band</a:t>
-            </a:r>
-            <a:endParaRPr lang="fr-FR" sz="2800" dirty="0">
-              <a:latin typeface="Forte Forward" panose="020B0604020202020204" pitchFamily="2" charset="0"/>
-              <a:cs typeface="Forte Forward" panose="020B0604020202020204" pitchFamily="2" charset="0"/>
-            </a:endParaRPr>
-          </a:p>
-        </p:txBody>
-      </p:sp>
-      <p:sp>
-        <p:nvSpPr>
-          <p:cNvPr id="46" name="ZoneTexte 45">
-            <a:extLst>
-              <a:ext uri="{FF2B5EF4-FFF2-40B4-BE49-F238E27FC236}">
-                <a16:creationId xmlns:a16="http://schemas.microsoft.com/office/drawing/2014/main" id="{80E91DF7-7EA8-E736-511D-FB9B53482BA2}"/>
-              </a:ext>
-            </a:extLst>
-          </p:cNvPr>
-          <p:cNvSpPr txBox="1"/>
-          <p:nvPr/>
-        </p:nvSpPr>
-        <p:spPr>
-          <a:xfrm>
-            <a:off x="2886754" y="0"/>
-            <a:ext cx="8970201" cy="1569660"/>
-          </a:xfrm>
-          <a:prstGeom prst="rect">
-            <a:avLst/>
-          </a:prstGeom>
-          <a:noFill/>
-        </p:spPr>
-        <p:txBody>
-          <a:bodyPr wrap="square" rtlCol="0">
-            <a:spAutoFit/>
-          </a:bodyPr>
-          <a:lstStyle/>
-          <a:p>
-            <a:pPr algn="r"/>
-            <a:r>
-              <a:rPr lang="en-US" sz="3200" dirty="0">
-                <a:latin typeface="Forte" panose="03060902040502070203" pitchFamily="66" charset="0"/>
-              </a:rPr>
-              <a:t>Dance Pop Plays Octaves Higher Than Other Genres Whiles A Few Artists Leads The Rhythm Of The Industry  </a:t>
-            </a:r>
-          </a:p>
-        </p:txBody>
-      </p:sp>
-      <p:sp>
-        <p:nvSpPr>
-          <p:cNvPr id="12" name="ZoneTexte 11">
-            <a:extLst>
-              <a:ext uri="{FF2B5EF4-FFF2-40B4-BE49-F238E27FC236}">
-                <a16:creationId xmlns:a16="http://schemas.microsoft.com/office/drawing/2014/main" id="{2BC26743-540E-5261-BE04-3FAF89258016}"/>
-              </a:ext>
-            </a:extLst>
-          </p:cNvPr>
-          <p:cNvSpPr txBox="1"/>
-          <p:nvPr/>
-        </p:nvSpPr>
-        <p:spPr>
-          <a:xfrm>
-            <a:off x="1808341" y="252924"/>
-            <a:ext cx="758661" cy="461665"/>
-          </a:xfrm>
-          <a:prstGeom prst="rect">
-            <a:avLst/>
-          </a:prstGeom>
-          <a:noFill/>
-        </p:spPr>
-        <p:txBody>
-          <a:bodyPr wrap="square" rtlCol="0">
-            <a:spAutoFit/>
-          </a:bodyPr>
-          <a:lstStyle/>
-          <a:p>
-            <a:r>
-              <a:rPr lang="fr-MC" sz="2400" b="1" dirty="0">
-                <a:solidFill>
-                  <a:schemeClr val="bg1"/>
-                </a:solidFill>
-              </a:rPr>
-              <a:t>327</a:t>
-            </a:r>
-            <a:endParaRPr lang="fr-FR" sz="2400" b="1" dirty="0">
-              <a:solidFill>
-                <a:schemeClr val="bg1"/>
-              </a:solidFill>
-            </a:endParaRPr>
-          </a:p>
-        </p:txBody>
-      </p:sp>
-      <p:sp>
-        <p:nvSpPr>
-          <p:cNvPr id="13" name="ZoneTexte 12">
-            <a:extLst>
-              <a:ext uri="{FF2B5EF4-FFF2-40B4-BE49-F238E27FC236}">
-                <a16:creationId xmlns:a16="http://schemas.microsoft.com/office/drawing/2014/main" id="{46ACD565-391C-D863-BCC9-B39D8DBB93D4}"/>
-              </a:ext>
-            </a:extLst>
-          </p:cNvPr>
-          <p:cNvSpPr txBox="1"/>
-          <p:nvPr/>
-        </p:nvSpPr>
-        <p:spPr>
-          <a:xfrm>
-            <a:off x="2929064" y="5019143"/>
-            <a:ext cx="758661" cy="461665"/>
-          </a:xfrm>
-          <a:prstGeom prst="rect">
-            <a:avLst/>
-          </a:prstGeom>
-          <a:noFill/>
-        </p:spPr>
-        <p:txBody>
-          <a:bodyPr wrap="square" rtlCol="0">
-            <a:spAutoFit/>
-          </a:bodyPr>
-          <a:lstStyle/>
-          <a:p>
-            <a:r>
-              <a:rPr lang="fr-MC" sz="2400" b="1" dirty="0">
-                <a:solidFill>
-                  <a:schemeClr val="bg1"/>
-                </a:solidFill>
-              </a:rPr>
-              <a:t> 60</a:t>
-            </a:r>
-            <a:endParaRPr lang="fr-FR" sz="2400" b="1" dirty="0">
-              <a:solidFill>
-                <a:schemeClr val="bg1"/>
-              </a:solidFill>
-            </a:endParaRPr>
-          </a:p>
-        </p:txBody>
-      </p:sp>
-      <p:sp>
-        <p:nvSpPr>
-          <p:cNvPr id="14" name="ZoneTexte 13">
-            <a:extLst>
-              <a:ext uri="{FF2B5EF4-FFF2-40B4-BE49-F238E27FC236}">
-                <a16:creationId xmlns:a16="http://schemas.microsoft.com/office/drawing/2014/main" id="{9103E99E-8760-91DE-C0D6-9134C402FEE7}"/>
-              </a:ext>
-            </a:extLst>
-          </p:cNvPr>
-          <p:cNvSpPr txBox="1"/>
-          <p:nvPr/>
-        </p:nvSpPr>
-        <p:spPr>
-          <a:xfrm>
-            <a:off x="4146190" y="5541339"/>
-            <a:ext cx="758661" cy="461665"/>
-          </a:xfrm>
-          <a:prstGeom prst="rect">
-            <a:avLst/>
-          </a:prstGeom>
-          <a:noFill/>
-        </p:spPr>
-        <p:txBody>
-          <a:bodyPr wrap="square" rtlCol="0">
-            <a:spAutoFit/>
-          </a:bodyPr>
-          <a:lstStyle/>
-          <a:p>
-            <a:r>
-              <a:rPr lang="fr-MC" sz="2400" b="1" dirty="0">
-                <a:solidFill>
-                  <a:schemeClr val="bg1"/>
-                </a:solidFill>
-              </a:rPr>
-              <a:t> 34</a:t>
-            </a:r>
-            <a:endParaRPr lang="fr-FR" sz="2400" b="1" dirty="0">
-              <a:solidFill>
-                <a:schemeClr val="bg1"/>
-              </a:solidFill>
-            </a:endParaRPr>
-          </a:p>
-        </p:txBody>
-      </p:sp>
-      <p:sp>
-        <p:nvSpPr>
-          <p:cNvPr id="16" name="ZoneTexte 15">
-            <a:extLst>
-              <a:ext uri="{FF2B5EF4-FFF2-40B4-BE49-F238E27FC236}">
-                <a16:creationId xmlns:a16="http://schemas.microsoft.com/office/drawing/2014/main" id="{DF2BC308-A753-D6F7-2340-C48144B66B8A}"/>
-              </a:ext>
-            </a:extLst>
-          </p:cNvPr>
-          <p:cNvSpPr txBox="1"/>
-          <p:nvPr/>
-        </p:nvSpPr>
-        <p:spPr>
-          <a:xfrm>
-            <a:off x="6613193" y="5827281"/>
-            <a:ext cx="758661" cy="461665"/>
-          </a:xfrm>
-          <a:prstGeom prst="rect">
-            <a:avLst/>
-          </a:prstGeom>
-          <a:noFill/>
-        </p:spPr>
-        <p:txBody>
-          <a:bodyPr wrap="square" rtlCol="0">
-            <a:spAutoFit/>
-          </a:bodyPr>
-          <a:lstStyle/>
-          <a:p>
-            <a:r>
-              <a:rPr lang="fr-MC" sz="2400" b="1" dirty="0">
-                <a:solidFill>
-                  <a:schemeClr val="bg1"/>
-                </a:solidFill>
-              </a:rPr>
-              <a:t> 15</a:t>
-            </a:r>
-            <a:endParaRPr lang="fr-FR" sz="2400" b="1" dirty="0">
-              <a:solidFill>
-                <a:schemeClr val="bg1"/>
-              </a:solidFill>
-            </a:endParaRPr>
-          </a:p>
-        </p:txBody>
-      </p:sp>
-      <p:sp>
-        <p:nvSpPr>
-          <p:cNvPr id="18" name="ZoneTexte 17">
-            <a:extLst>
-              <a:ext uri="{FF2B5EF4-FFF2-40B4-BE49-F238E27FC236}">
-                <a16:creationId xmlns:a16="http://schemas.microsoft.com/office/drawing/2014/main" id="{AB43CD71-1291-DA93-4C25-DCD464EE582B}"/>
-              </a:ext>
-            </a:extLst>
-          </p:cNvPr>
-          <p:cNvSpPr txBox="1"/>
-          <p:nvPr/>
-        </p:nvSpPr>
-        <p:spPr>
-          <a:xfrm>
-            <a:off x="5369580" y="5812584"/>
-            <a:ext cx="758661" cy="461665"/>
-          </a:xfrm>
-          <a:prstGeom prst="rect">
-            <a:avLst/>
-          </a:prstGeom>
-          <a:noFill/>
-        </p:spPr>
-        <p:txBody>
-          <a:bodyPr wrap="square" rtlCol="0">
-            <a:spAutoFit/>
-          </a:bodyPr>
-          <a:lstStyle/>
-          <a:p>
-            <a:r>
-              <a:rPr lang="fr-MC" sz="2400" b="1" dirty="0">
-                <a:solidFill>
-                  <a:schemeClr val="bg1"/>
-                </a:solidFill>
-              </a:rPr>
-              <a:t> 15</a:t>
-            </a:r>
-            <a:endParaRPr lang="fr-FR" sz="2400" b="1" dirty="0">
-              <a:solidFill>
-                <a:schemeClr val="bg1"/>
-              </a:solidFill>
-            </a:endParaRPr>
-          </a:p>
-        </p:txBody>
-      </p:sp>
-      <p:sp>
-        <p:nvSpPr>
-          <p:cNvPr id="27" name="ZoneTexte 26">
-            <a:extLst>
-              <a:ext uri="{FF2B5EF4-FFF2-40B4-BE49-F238E27FC236}">
-                <a16:creationId xmlns:a16="http://schemas.microsoft.com/office/drawing/2014/main" id="{4155E58A-D5F0-3370-C7BA-2BC329CBAB13}"/>
-              </a:ext>
-            </a:extLst>
-          </p:cNvPr>
-          <p:cNvSpPr txBox="1"/>
-          <p:nvPr/>
-        </p:nvSpPr>
-        <p:spPr>
-          <a:xfrm>
-            <a:off x="9276957" y="2884612"/>
-            <a:ext cx="2932211" cy="707886"/>
-          </a:xfrm>
-          <a:prstGeom prst="rect">
-            <a:avLst/>
-          </a:prstGeom>
-          <a:noFill/>
-        </p:spPr>
-        <p:txBody>
-          <a:bodyPr wrap="square" rtlCol="0">
-            <a:spAutoFit/>
-          </a:bodyPr>
-          <a:lstStyle/>
-          <a:p>
-            <a:r>
-              <a:rPr lang="en-US" sz="2000" b="0" dirty="0">
-                <a:effectLst/>
-                <a:latin typeface="Forte" panose="03060902040502070203" pitchFamily="66" charset="0"/>
-              </a:rPr>
-              <a:t>Top Artists by Number of Songs in the top 50</a:t>
-            </a:r>
-          </a:p>
-        </p:txBody>
-      </p:sp>
-      <p:sp>
-        <p:nvSpPr>
-          <p:cNvPr id="15" name="Espace réservé du pied de page 14">
-            <a:extLst>
-              <a:ext uri="{FF2B5EF4-FFF2-40B4-BE49-F238E27FC236}">
-                <a16:creationId xmlns:a16="http://schemas.microsoft.com/office/drawing/2014/main" id="{3DF74E7E-BF7F-1CFA-0B70-EBE1FCF2E45B}"/>
-              </a:ext>
-            </a:extLst>
-          </p:cNvPr>
-          <p:cNvSpPr>
-            <a:spLocks noGrp="1"/>
-          </p:cNvSpPr>
-          <p:nvPr>
-            <p:ph type="ftr" sz="quarter" idx="11"/>
-          </p:nvPr>
-        </p:nvSpPr>
-        <p:spPr/>
-        <p:txBody>
-          <a:bodyPr/>
-          <a:lstStyle/>
-          <a:p>
-            <a:r>
-              <a:rPr lang="fr-FR" b="1" dirty="0">
-                <a:solidFill>
-                  <a:schemeClr val="tx1"/>
-                </a:solidFill>
-              </a:rPr>
-              <a:t>Melvyn ROLLAND</a:t>
-            </a:r>
-          </a:p>
-        </p:txBody>
-      </p:sp>
-      <p:sp>
-        <p:nvSpPr>
-          <p:cNvPr id="26" name="Espace réservé du numéro de diapositive 25">
-            <a:extLst>
-              <a:ext uri="{FF2B5EF4-FFF2-40B4-BE49-F238E27FC236}">
-                <a16:creationId xmlns:a16="http://schemas.microsoft.com/office/drawing/2014/main" id="{3D8EC735-8270-00C6-E3F7-CEB0164AE9D6}"/>
-              </a:ext>
-            </a:extLst>
-          </p:cNvPr>
-          <p:cNvSpPr>
-            <a:spLocks noGrp="1"/>
-          </p:cNvSpPr>
-          <p:nvPr>
-            <p:ph type="sldNum" sz="quarter" idx="12"/>
-          </p:nvPr>
-        </p:nvSpPr>
-        <p:spPr/>
-        <p:txBody>
-          <a:bodyPr/>
-          <a:lstStyle/>
-          <a:p>
-            <a:fld id="{A63C901F-7855-473E-A3D3-91CDAB6A6501}" type="slidenum">
-              <a:rPr lang="fr-FR" smtClean="0"/>
-              <a:t>2</a:t>
-            </a:fld>
-            <a:endParaRPr lang="fr-FR"/>
-          </a:p>
-        </p:txBody>
-      </p:sp>
-    </p:spTree>
-    <p:extLst>
-      <p:ext uri="{BB962C8B-B14F-4D97-AF65-F5344CB8AC3E}">
-        <p14:creationId xmlns:p14="http://schemas.microsoft.com/office/powerpoint/2010/main" val="1086599141"/>
-      </p:ext>
-    </p:extLst>
-  </p:cSld>
-  <p:clrMapOvr>
-    <a:masterClrMapping/>
-  </p:clrMapOvr>
-</p:sld>
-</file>
-
-<file path=ppt/slides/slide3.xml><?xml version="1.0" encoding="utf-8"?>
-<p:sld xmlns:a="http://schemas.openxmlformats.org/drawingml/2006/main" xmlns:r="http://schemas.openxmlformats.org/officeDocument/2006/relationships" xmlns:p="http://schemas.openxmlformats.org/presentationml/2006/main">
-  <p:cSld>
     <p:bg>
       <p:bgPr>
         <a:solidFill>
@@ -9015,7 +7249,7 @@
                   <a:spcPts val="600"/>
                 </a:spcAft>
               </a:pPr>
-              <a:t>3</a:t>
+              <a:t>2</a:t>
             </a:fld>
             <a:endParaRPr lang="en-US"/>
           </a:p>
@@ -9230,6 +7464,1876 @@
     <p:extLst>
       <p:ext uri="{BB962C8B-B14F-4D97-AF65-F5344CB8AC3E}">
         <p14:creationId xmlns:p14="http://schemas.microsoft.com/office/powerpoint/2010/main" val="2332814414"/>
+      </p:ext>
+    </p:extLst>
+  </p:cSld>
+  <p:clrMapOvr>
+    <a:masterClrMapping/>
+  </p:clrMapOvr>
+</p:sld>
+</file>
+
+<file path=ppt/slides/slide3.xml><?xml version="1.0" encoding="utf-8"?>
+<p:sld xmlns:a="http://schemas.openxmlformats.org/drawingml/2006/main" xmlns:r="http://schemas.openxmlformats.org/officeDocument/2006/relationships" xmlns:p="http://schemas.openxmlformats.org/presentationml/2006/main">
+  <p:cSld>
+    <p:spTree>
+      <p:nvGrpSpPr>
+        <p:cNvPr id="1" name=""/>
+        <p:cNvGrpSpPr/>
+        <p:nvPr/>
+      </p:nvGrpSpPr>
+      <p:grpSpPr>
+        <a:xfrm>
+          <a:off x="0" y="0"/>
+          <a:ext cx="0" cy="0"/>
+          <a:chOff x="0" y="0"/>
+          <a:chExt cx="0" cy="0"/>
+        </a:xfrm>
+      </p:grpSpPr>
+      <p:pic>
+        <p:nvPicPr>
+          <p:cNvPr id="45" name="Picture 6" descr="Music sheet">
+            <a:extLst>
+              <a:ext uri="{FF2B5EF4-FFF2-40B4-BE49-F238E27FC236}">
+                <a16:creationId xmlns:a16="http://schemas.microsoft.com/office/drawing/2014/main" id="{EA5BA1DE-4FE3-1DDD-7FB9-6834747C500A}"/>
+              </a:ext>
+            </a:extLst>
+          </p:cNvPr>
+          <p:cNvPicPr>
+            <a:picLocks noChangeAspect="1"/>
+          </p:cNvPicPr>
+          <p:nvPr/>
+        </p:nvPicPr>
+        <p:blipFill rotWithShape="1">
+          <a:blip r:embed="rId2">
+            <a:alphaModFix amt="20000"/>
+          </a:blip>
+          <a:srcRect t="15730"/>
+          <a:stretch/>
+        </p:blipFill>
+        <p:spPr>
+          <a:xfrm>
+            <a:off x="-127853" y="-21916"/>
+            <a:ext cx="12615127" cy="7096010"/>
+          </a:xfrm>
+          <a:prstGeom prst="rect">
+            <a:avLst/>
+          </a:prstGeom>
+        </p:spPr>
+      </p:pic>
+      <p:sp>
+        <p:nvSpPr>
+          <p:cNvPr id="25" name="ZoneTexte 24">
+            <a:extLst>
+              <a:ext uri="{FF2B5EF4-FFF2-40B4-BE49-F238E27FC236}">
+                <a16:creationId xmlns:a16="http://schemas.microsoft.com/office/drawing/2014/main" id="{8A07C420-5FA6-ED03-5B85-BF9F854DE225}"/>
+              </a:ext>
+            </a:extLst>
+          </p:cNvPr>
+          <p:cNvSpPr txBox="1"/>
+          <p:nvPr/>
+        </p:nvSpPr>
+        <p:spPr>
+          <a:xfrm rot="16200000">
+            <a:off x="-1097945" y="2158446"/>
+            <a:ext cx="2932211" cy="707886"/>
+          </a:xfrm>
+          <a:prstGeom prst="rect">
+            <a:avLst/>
+          </a:prstGeom>
+          <a:noFill/>
+        </p:spPr>
+        <p:txBody>
+          <a:bodyPr wrap="square" rtlCol="0">
+            <a:spAutoFit/>
+          </a:bodyPr>
+          <a:lstStyle/>
+          <a:p>
+            <a:r>
+              <a:rPr lang="en-US" sz="2000" b="0" dirty="0">
+                <a:effectLst/>
+                <a:latin typeface="Forte" panose="03060902040502070203" pitchFamily="66" charset="0"/>
+              </a:rPr>
+              <a:t>Music Genres by Number of Songs in the top 50</a:t>
+            </a:r>
+          </a:p>
+        </p:txBody>
+      </p:sp>
+      <p:cxnSp>
+        <p:nvCxnSpPr>
+          <p:cNvPr id="37" name="Connecteur droit 36">
+            <a:extLst>
+              <a:ext uri="{FF2B5EF4-FFF2-40B4-BE49-F238E27FC236}">
+                <a16:creationId xmlns:a16="http://schemas.microsoft.com/office/drawing/2014/main" id="{2F261271-DB0C-2905-5B0E-88DA7A97AAAA}"/>
+              </a:ext>
+            </a:extLst>
+          </p:cNvPr>
+          <p:cNvCxnSpPr>
+            <a:cxnSpLocks/>
+          </p:cNvCxnSpPr>
+          <p:nvPr/>
+        </p:nvCxnSpPr>
+        <p:spPr>
+          <a:xfrm>
+            <a:off x="1582993" y="2539960"/>
+            <a:ext cx="504000" cy="0"/>
+          </a:xfrm>
+          <a:prstGeom prst="line">
+            <a:avLst/>
+          </a:prstGeom>
+          <a:ln w="76200">
+            <a:solidFill>
+              <a:schemeClr val="tx1">
+                <a:lumMod val="75000"/>
+                <a:lumOff val="25000"/>
+              </a:schemeClr>
+            </a:solidFill>
+          </a:ln>
+        </p:spPr>
+        <p:style>
+          <a:lnRef idx="1">
+            <a:schemeClr val="accent1"/>
+          </a:lnRef>
+          <a:fillRef idx="0">
+            <a:schemeClr val="accent1"/>
+          </a:fillRef>
+          <a:effectRef idx="0">
+            <a:schemeClr val="accent1"/>
+          </a:effectRef>
+          <a:fontRef idx="minor">
+            <a:schemeClr val="tx1"/>
+          </a:fontRef>
+        </p:style>
+      </p:cxnSp>
+      <p:cxnSp>
+        <p:nvCxnSpPr>
+          <p:cNvPr id="38" name="Connecteur droit 37">
+            <a:extLst>
+              <a:ext uri="{FF2B5EF4-FFF2-40B4-BE49-F238E27FC236}">
+                <a16:creationId xmlns:a16="http://schemas.microsoft.com/office/drawing/2014/main" id="{0AE2E899-6250-D684-E21D-7CEE59A19978}"/>
+              </a:ext>
+            </a:extLst>
+          </p:cNvPr>
+          <p:cNvCxnSpPr/>
+          <p:nvPr/>
+        </p:nvCxnSpPr>
+        <p:spPr>
+          <a:xfrm>
+            <a:off x="1582993" y="3059802"/>
+            <a:ext cx="432000" cy="0"/>
+          </a:xfrm>
+          <a:prstGeom prst="line">
+            <a:avLst/>
+          </a:prstGeom>
+          <a:ln w="76200">
+            <a:solidFill>
+              <a:schemeClr val="tx1">
+                <a:lumMod val="75000"/>
+                <a:lumOff val="25000"/>
+              </a:schemeClr>
+            </a:solidFill>
+          </a:ln>
+        </p:spPr>
+        <p:style>
+          <a:lnRef idx="1">
+            <a:schemeClr val="accent1"/>
+          </a:lnRef>
+          <a:fillRef idx="0">
+            <a:schemeClr val="accent1"/>
+          </a:fillRef>
+          <a:effectRef idx="0">
+            <a:schemeClr val="accent1"/>
+          </a:effectRef>
+          <a:fontRef idx="minor">
+            <a:schemeClr val="tx1"/>
+          </a:fontRef>
+        </p:style>
+      </p:cxnSp>
+      <p:cxnSp>
+        <p:nvCxnSpPr>
+          <p:cNvPr id="39" name="Connecteur droit 38">
+            <a:extLst>
+              <a:ext uri="{FF2B5EF4-FFF2-40B4-BE49-F238E27FC236}">
+                <a16:creationId xmlns:a16="http://schemas.microsoft.com/office/drawing/2014/main" id="{7840B227-44FA-5058-D92B-3D98208CC224}"/>
+              </a:ext>
+            </a:extLst>
+          </p:cNvPr>
+          <p:cNvCxnSpPr>
+            <a:cxnSpLocks/>
+          </p:cNvCxnSpPr>
+          <p:nvPr/>
+        </p:nvCxnSpPr>
+        <p:spPr>
+          <a:xfrm>
+            <a:off x="1582993" y="3579644"/>
+            <a:ext cx="360000" cy="0"/>
+          </a:xfrm>
+          <a:prstGeom prst="line">
+            <a:avLst/>
+          </a:prstGeom>
+          <a:ln w="76200">
+            <a:solidFill>
+              <a:schemeClr val="tx1">
+                <a:lumMod val="75000"/>
+                <a:lumOff val="25000"/>
+              </a:schemeClr>
+            </a:solidFill>
+          </a:ln>
+        </p:spPr>
+        <p:style>
+          <a:lnRef idx="1">
+            <a:schemeClr val="accent1"/>
+          </a:lnRef>
+          <a:fillRef idx="0">
+            <a:schemeClr val="accent1"/>
+          </a:fillRef>
+          <a:effectRef idx="0">
+            <a:schemeClr val="accent1"/>
+          </a:effectRef>
+          <a:fontRef idx="minor">
+            <a:schemeClr val="tx1"/>
+          </a:fontRef>
+        </p:style>
+      </p:cxnSp>
+      <p:sp>
+        <p:nvSpPr>
+          <p:cNvPr id="40" name="ZoneTexte 39">
+            <a:extLst>
+              <a:ext uri="{FF2B5EF4-FFF2-40B4-BE49-F238E27FC236}">
+                <a16:creationId xmlns:a16="http://schemas.microsoft.com/office/drawing/2014/main" id="{B4E3A5D9-AC1A-833C-D5A3-F9B0D8E5F30D}"/>
+              </a:ext>
+            </a:extLst>
+          </p:cNvPr>
+          <p:cNvSpPr txBox="1"/>
+          <p:nvPr/>
+        </p:nvSpPr>
+        <p:spPr>
+          <a:xfrm rot="16200000">
+            <a:off x="1350872" y="2780804"/>
+            <a:ext cx="1926706" cy="523220"/>
+          </a:xfrm>
+          <a:prstGeom prst="rect">
+            <a:avLst/>
+          </a:prstGeom>
+          <a:noFill/>
+        </p:spPr>
+        <p:txBody>
+          <a:bodyPr wrap="square" rtlCol="0">
+            <a:spAutoFit/>
+          </a:bodyPr>
+          <a:lstStyle/>
+          <a:p>
+            <a:r>
+              <a:rPr lang="fr-MC" sz="2800" dirty="0">
+                <a:latin typeface="Forte Forward" panose="020B0604020202020204" pitchFamily="2" charset="0"/>
+                <a:cs typeface="Forte Forward" panose="020B0604020202020204" pitchFamily="2" charset="0"/>
+              </a:rPr>
+              <a:t>Dance Pop</a:t>
+            </a:r>
+            <a:endParaRPr lang="fr-FR" sz="2800" dirty="0">
+              <a:latin typeface="Forte Forward" panose="020B0604020202020204" pitchFamily="2" charset="0"/>
+              <a:cs typeface="Forte Forward" panose="020B0604020202020204" pitchFamily="2" charset="0"/>
+            </a:endParaRPr>
+          </a:p>
+        </p:txBody>
+      </p:sp>
+      <p:cxnSp>
+        <p:nvCxnSpPr>
+          <p:cNvPr id="5" name="Connecteur droit 4">
+            <a:extLst>
+              <a:ext uri="{FF2B5EF4-FFF2-40B4-BE49-F238E27FC236}">
+                <a16:creationId xmlns:a16="http://schemas.microsoft.com/office/drawing/2014/main" id="{CE600BB0-7F44-10C4-6BC7-E02D00174234}"/>
+              </a:ext>
+            </a:extLst>
+          </p:cNvPr>
+          <p:cNvCxnSpPr/>
+          <p:nvPr/>
+        </p:nvCxnSpPr>
+        <p:spPr>
+          <a:xfrm>
+            <a:off x="0" y="4011561"/>
+            <a:ext cx="9409471" cy="0"/>
+          </a:xfrm>
+          <a:prstGeom prst="line">
+            <a:avLst/>
+          </a:prstGeom>
+          <a:ln w="76200">
+            <a:solidFill>
+              <a:schemeClr val="tx1">
+                <a:lumMod val="75000"/>
+                <a:lumOff val="25000"/>
+              </a:schemeClr>
+            </a:solidFill>
+          </a:ln>
+        </p:spPr>
+        <p:style>
+          <a:lnRef idx="1">
+            <a:schemeClr val="accent1"/>
+          </a:lnRef>
+          <a:fillRef idx="0">
+            <a:schemeClr val="accent1"/>
+          </a:fillRef>
+          <a:effectRef idx="0">
+            <a:schemeClr val="accent1"/>
+          </a:effectRef>
+          <a:fontRef idx="minor">
+            <a:schemeClr val="tx1"/>
+          </a:fontRef>
+        </p:style>
+      </p:cxnSp>
+      <p:cxnSp>
+        <p:nvCxnSpPr>
+          <p:cNvPr id="6" name="Connecteur droit 5">
+            <a:extLst>
+              <a:ext uri="{FF2B5EF4-FFF2-40B4-BE49-F238E27FC236}">
+                <a16:creationId xmlns:a16="http://schemas.microsoft.com/office/drawing/2014/main" id="{10096BEB-5064-F55A-A735-96460A7C77D4}"/>
+              </a:ext>
+            </a:extLst>
+          </p:cNvPr>
+          <p:cNvCxnSpPr/>
+          <p:nvPr/>
+        </p:nvCxnSpPr>
+        <p:spPr>
+          <a:xfrm>
+            <a:off x="0" y="4513818"/>
+            <a:ext cx="8856000" cy="0"/>
+          </a:xfrm>
+          <a:prstGeom prst="line">
+            <a:avLst/>
+          </a:prstGeom>
+          <a:ln w="76200">
+            <a:solidFill>
+              <a:schemeClr val="tx1">
+                <a:lumMod val="75000"/>
+                <a:lumOff val="25000"/>
+              </a:schemeClr>
+            </a:solidFill>
+          </a:ln>
+        </p:spPr>
+        <p:style>
+          <a:lnRef idx="1">
+            <a:schemeClr val="accent1"/>
+          </a:lnRef>
+          <a:fillRef idx="0">
+            <a:schemeClr val="accent1"/>
+          </a:fillRef>
+          <a:effectRef idx="0">
+            <a:schemeClr val="accent1"/>
+          </a:effectRef>
+          <a:fontRef idx="minor">
+            <a:schemeClr val="tx1"/>
+          </a:fontRef>
+        </p:style>
+      </p:cxnSp>
+      <p:cxnSp>
+        <p:nvCxnSpPr>
+          <p:cNvPr id="7" name="Connecteur droit 6">
+            <a:extLst>
+              <a:ext uri="{FF2B5EF4-FFF2-40B4-BE49-F238E27FC236}">
+                <a16:creationId xmlns:a16="http://schemas.microsoft.com/office/drawing/2014/main" id="{913CA03D-1AF1-B1AB-AE7B-1C834F0AF248}"/>
+              </a:ext>
+            </a:extLst>
+          </p:cNvPr>
+          <p:cNvCxnSpPr/>
+          <p:nvPr/>
+        </p:nvCxnSpPr>
+        <p:spPr>
+          <a:xfrm>
+            <a:off x="0" y="5016075"/>
+            <a:ext cx="8301600" cy="0"/>
+          </a:xfrm>
+          <a:prstGeom prst="line">
+            <a:avLst/>
+          </a:prstGeom>
+          <a:ln w="76200">
+            <a:solidFill>
+              <a:schemeClr val="tx1">
+                <a:lumMod val="75000"/>
+                <a:lumOff val="25000"/>
+              </a:schemeClr>
+            </a:solidFill>
+          </a:ln>
+        </p:spPr>
+        <p:style>
+          <a:lnRef idx="1">
+            <a:schemeClr val="accent1"/>
+          </a:lnRef>
+          <a:fillRef idx="0">
+            <a:schemeClr val="accent1"/>
+          </a:fillRef>
+          <a:effectRef idx="0">
+            <a:schemeClr val="accent1"/>
+          </a:effectRef>
+          <a:fontRef idx="minor">
+            <a:schemeClr val="tx1"/>
+          </a:fontRef>
+        </p:style>
+      </p:cxnSp>
+      <p:cxnSp>
+        <p:nvCxnSpPr>
+          <p:cNvPr id="9" name="Connecteur droit 8">
+            <a:extLst>
+              <a:ext uri="{FF2B5EF4-FFF2-40B4-BE49-F238E27FC236}">
+                <a16:creationId xmlns:a16="http://schemas.microsoft.com/office/drawing/2014/main" id="{D3327577-43BF-5FDD-EF23-89CE5D29A907}"/>
+              </a:ext>
+            </a:extLst>
+          </p:cNvPr>
+          <p:cNvCxnSpPr/>
+          <p:nvPr/>
+        </p:nvCxnSpPr>
+        <p:spPr>
+          <a:xfrm>
+            <a:off x="0" y="5518332"/>
+            <a:ext cx="8301600" cy="0"/>
+          </a:xfrm>
+          <a:prstGeom prst="line">
+            <a:avLst/>
+          </a:prstGeom>
+          <a:ln w="76200">
+            <a:solidFill>
+              <a:schemeClr val="tx1">
+                <a:lumMod val="75000"/>
+                <a:lumOff val="25000"/>
+              </a:schemeClr>
+            </a:solidFill>
+          </a:ln>
+        </p:spPr>
+        <p:style>
+          <a:lnRef idx="1">
+            <a:schemeClr val="accent1"/>
+          </a:lnRef>
+          <a:fillRef idx="0">
+            <a:schemeClr val="accent1"/>
+          </a:fillRef>
+          <a:effectRef idx="0">
+            <a:schemeClr val="accent1"/>
+          </a:effectRef>
+          <a:fontRef idx="minor">
+            <a:schemeClr val="tx1"/>
+          </a:fontRef>
+        </p:style>
+      </p:cxnSp>
+      <p:cxnSp>
+        <p:nvCxnSpPr>
+          <p:cNvPr id="10" name="Connecteur droit 9">
+            <a:extLst>
+              <a:ext uri="{FF2B5EF4-FFF2-40B4-BE49-F238E27FC236}">
+                <a16:creationId xmlns:a16="http://schemas.microsoft.com/office/drawing/2014/main" id="{BED76231-FD94-5987-5265-11CB8C92B738}"/>
+              </a:ext>
+            </a:extLst>
+          </p:cNvPr>
+          <p:cNvCxnSpPr/>
+          <p:nvPr/>
+        </p:nvCxnSpPr>
+        <p:spPr>
+          <a:xfrm>
+            <a:off x="0" y="6020589"/>
+            <a:ext cx="7776000" cy="0"/>
+          </a:xfrm>
+          <a:prstGeom prst="line">
+            <a:avLst/>
+          </a:prstGeom>
+          <a:ln w="76200">
+            <a:solidFill>
+              <a:schemeClr val="tx1">
+                <a:lumMod val="75000"/>
+                <a:lumOff val="25000"/>
+              </a:schemeClr>
+            </a:solidFill>
+          </a:ln>
+        </p:spPr>
+        <p:style>
+          <a:lnRef idx="1">
+            <a:schemeClr val="accent1"/>
+          </a:lnRef>
+          <a:fillRef idx="0">
+            <a:schemeClr val="accent1"/>
+          </a:fillRef>
+          <a:effectRef idx="0">
+            <a:schemeClr val="accent1"/>
+          </a:effectRef>
+          <a:fontRef idx="minor">
+            <a:schemeClr val="tx1"/>
+          </a:fontRef>
+        </p:style>
+      </p:cxnSp>
+      <p:cxnSp>
+        <p:nvCxnSpPr>
+          <p:cNvPr id="17" name="Connecteur droit 16">
+            <a:extLst>
+              <a:ext uri="{FF2B5EF4-FFF2-40B4-BE49-F238E27FC236}">
+                <a16:creationId xmlns:a16="http://schemas.microsoft.com/office/drawing/2014/main" id="{38DED4D4-8CB3-EDC1-5121-4F519C3260B6}"/>
+              </a:ext>
+            </a:extLst>
+          </p:cNvPr>
+          <p:cNvCxnSpPr/>
+          <p:nvPr/>
+        </p:nvCxnSpPr>
+        <p:spPr>
+          <a:xfrm>
+            <a:off x="1582993" y="980434"/>
+            <a:ext cx="1080000" cy="0"/>
+          </a:xfrm>
+          <a:prstGeom prst="line">
+            <a:avLst/>
+          </a:prstGeom>
+          <a:ln w="76200">
+            <a:solidFill>
+              <a:schemeClr val="tx1">
+                <a:lumMod val="75000"/>
+                <a:lumOff val="25000"/>
+              </a:schemeClr>
+            </a:solidFill>
+          </a:ln>
+        </p:spPr>
+        <p:style>
+          <a:lnRef idx="1">
+            <a:schemeClr val="accent1"/>
+          </a:lnRef>
+          <a:fillRef idx="0">
+            <a:schemeClr val="accent1"/>
+          </a:fillRef>
+          <a:effectRef idx="0">
+            <a:schemeClr val="accent1"/>
+          </a:effectRef>
+          <a:fontRef idx="minor">
+            <a:schemeClr val="tx1"/>
+          </a:fontRef>
+        </p:style>
+      </p:cxnSp>
+      <p:pic>
+        <p:nvPicPr>
+          <p:cNvPr id="3" name="Image 2">
+            <a:extLst>
+              <a:ext uri="{FF2B5EF4-FFF2-40B4-BE49-F238E27FC236}">
+                <a16:creationId xmlns:a16="http://schemas.microsoft.com/office/drawing/2014/main" id="{FA4508BD-6B4F-918B-20F0-860A0FC19EC6}"/>
+              </a:ext>
+            </a:extLst>
+          </p:cNvPr>
+          <p:cNvPicPr>
+            <a:picLocks noChangeAspect="1"/>
+          </p:cNvPicPr>
+          <p:nvPr/>
+        </p:nvPicPr>
+        <p:blipFill>
+          <a:blip r:embed="rId3">
+            <a:extLst>
+              <a:ext uri="{28A0092B-C50C-407E-A947-70E740481C1C}">
+                <a14:useLocalDpi xmlns:a14="http://schemas.microsoft.com/office/drawing/2010/main" val="0"/>
+              </a:ext>
+            </a:extLst>
+          </a:blip>
+          <a:stretch>
+            <a:fillRect/>
+          </a:stretch>
+        </p:blipFill>
+        <p:spPr>
+          <a:xfrm>
+            <a:off x="171165" y="3077660"/>
+            <a:ext cx="1411828" cy="3858997"/>
+          </a:xfrm>
+          <a:prstGeom prst="rect">
+            <a:avLst/>
+          </a:prstGeom>
+        </p:spPr>
+      </p:pic>
+      <p:cxnSp>
+        <p:nvCxnSpPr>
+          <p:cNvPr id="19" name="Connecteur droit 18">
+            <a:extLst>
+              <a:ext uri="{FF2B5EF4-FFF2-40B4-BE49-F238E27FC236}">
+                <a16:creationId xmlns:a16="http://schemas.microsoft.com/office/drawing/2014/main" id="{F4360D96-F53E-336A-5BEF-4652BF301B0A}"/>
+              </a:ext>
+            </a:extLst>
+          </p:cNvPr>
+          <p:cNvCxnSpPr>
+            <a:cxnSpLocks/>
+          </p:cNvCxnSpPr>
+          <p:nvPr/>
+        </p:nvCxnSpPr>
+        <p:spPr>
+          <a:xfrm>
+            <a:off x="0" y="3974036"/>
+            <a:ext cx="0" cy="2084078"/>
+          </a:xfrm>
+          <a:prstGeom prst="line">
+            <a:avLst/>
+          </a:prstGeom>
+          <a:ln w="76200">
+            <a:solidFill>
+              <a:schemeClr val="tx1"/>
+            </a:solidFill>
+          </a:ln>
+        </p:spPr>
+        <p:style>
+          <a:lnRef idx="1">
+            <a:schemeClr val="accent1"/>
+          </a:lnRef>
+          <a:fillRef idx="0">
+            <a:schemeClr val="accent1"/>
+          </a:fillRef>
+          <a:effectRef idx="0">
+            <a:schemeClr val="accent1"/>
+          </a:effectRef>
+          <a:fontRef idx="minor">
+            <a:schemeClr val="tx1"/>
+          </a:fontRef>
+        </p:style>
+      </p:cxnSp>
+      <p:pic>
+        <p:nvPicPr>
+          <p:cNvPr id="21" name="Image 20">
+            <a:extLst>
+              <a:ext uri="{FF2B5EF4-FFF2-40B4-BE49-F238E27FC236}">
+                <a16:creationId xmlns:a16="http://schemas.microsoft.com/office/drawing/2014/main" id="{F0AA376A-74B3-ED75-3FBD-416B1290421C}"/>
+              </a:ext>
+            </a:extLst>
+          </p:cNvPr>
+          <p:cNvPicPr>
+            <a:picLocks noChangeAspect="1"/>
+          </p:cNvPicPr>
+          <p:nvPr/>
+        </p:nvPicPr>
+        <p:blipFill>
+          <a:blip r:embed="rId4">
+            <a:extLst>
+              <a:ext uri="{28A0092B-C50C-407E-A947-70E740481C1C}">
+                <a14:useLocalDpi xmlns:a14="http://schemas.microsoft.com/office/drawing/2010/main" val="0"/>
+              </a:ext>
+            </a:extLst>
+          </a:blip>
+          <a:stretch>
+            <a:fillRect/>
+          </a:stretch>
+        </p:blipFill>
+        <p:spPr>
+          <a:xfrm>
+            <a:off x="4165528" y="4447684"/>
+            <a:ext cx="1078413" cy="1572905"/>
+          </a:xfrm>
+          <a:prstGeom prst="rect">
+            <a:avLst/>
+          </a:prstGeom>
+          <a:ln>
+            <a:noFill/>
+          </a:ln>
+        </p:spPr>
+      </p:pic>
+      <p:pic>
+        <p:nvPicPr>
+          <p:cNvPr id="22" name="Image 21">
+            <a:extLst>
+              <a:ext uri="{FF2B5EF4-FFF2-40B4-BE49-F238E27FC236}">
+                <a16:creationId xmlns:a16="http://schemas.microsoft.com/office/drawing/2014/main" id="{7AF7424C-76B1-1973-EF92-F2922D8294DD}"/>
+              </a:ext>
+            </a:extLst>
+          </p:cNvPr>
+          <p:cNvPicPr>
+            <a:picLocks noChangeAspect="1"/>
+          </p:cNvPicPr>
+          <p:nvPr/>
+        </p:nvPicPr>
+        <p:blipFill>
+          <a:blip r:embed="rId4">
+            <a:extLst>
+              <a:ext uri="{28A0092B-C50C-407E-A947-70E740481C1C}">
+                <a14:useLocalDpi xmlns:a14="http://schemas.microsoft.com/office/drawing/2010/main" val="0"/>
+              </a:ext>
+            </a:extLst>
+          </a:blip>
+          <a:stretch>
+            <a:fillRect/>
+          </a:stretch>
+        </p:blipFill>
+        <p:spPr>
+          <a:xfrm>
+            <a:off x="5389326" y="4721396"/>
+            <a:ext cx="1078413" cy="1572905"/>
+          </a:xfrm>
+          <a:prstGeom prst="rect">
+            <a:avLst/>
+          </a:prstGeom>
+          <a:ln>
+            <a:noFill/>
+          </a:ln>
+        </p:spPr>
+      </p:pic>
+      <p:pic>
+        <p:nvPicPr>
+          <p:cNvPr id="23" name="Image 22">
+            <a:extLst>
+              <a:ext uri="{FF2B5EF4-FFF2-40B4-BE49-F238E27FC236}">
+                <a16:creationId xmlns:a16="http://schemas.microsoft.com/office/drawing/2014/main" id="{33807567-93F1-6525-7496-20BA9BAF9401}"/>
+              </a:ext>
+            </a:extLst>
+          </p:cNvPr>
+          <p:cNvPicPr>
+            <a:picLocks noChangeAspect="1"/>
+          </p:cNvPicPr>
+          <p:nvPr/>
+        </p:nvPicPr>
+        <p:blipFill>
+          <a:blip r:embed="rId4">
+            <a:extLst>
+              <a:ext uri="{28A0092B-C50C-407E-A947-70E740481C1C}">
+                <a14:useLocalDpi xmlns:a14="http://schemas.microsoft.com/office/drawing/2010/main" val="0"/>
+              </a:ext>
+            </a:extLst>
+          </a:blip>
+          <a:stretch>
+            <a:fillRect/>
+          </a:stretch>
+        </p:blipFill>
+        <p:spPr>
+          <a:xfrm>
+            <a:off x="6613262" y="4731879"/>
+            <a:ext cx="1078413" cy="1572905"/>
+          </a:xfrm>
+          <a:prstGeom prst="rect">
+            <a:avLst/>
+          </a:prstGeom>
+          <a:ln>
+            <a:noFill/>
+          </a:ln>
+        </p:spPr>
+      </p:pic>
+      <p:sp>
+        <p:nvSpPr>
+          <p:cNvPr id="2" name="ZoneTexte 1">
+            <a:extLst>
+              <a:ext uri="{FF2B5EF4-FFF2-40B4-BE49-F238E27FC236}">
+                <a16:creationId xmlns:a16="http://schemas.microsoft.com/office/drawing/2014/main" id="{65739927-AD62-D71B-E4D0-0436BEB8E68E}"/>
+              </a:ext>
+            </a:extLst>
+          </p:cNvPr>
+          <p:cNvSpPr txBox="1"/>
+          <p:nvPr/>
+        </p:nvSpPr>
+        <p:spPr>
+          <a:xfrm>
+            <a:off x="10094129" y="3751051"/>
+            <a:ext cx="1926706" cy="461665"/>
+          </a:xfrm>
+          <a:prstGeom prst="rect">
+            <a:avLst/>
+          </a:prstGeom>
+          <a:noFill/>
+        </p:spPr>
+        <p:txBody>
+          <a:bodyPr wrap="square" rtlCol="0">
+            <a:spAutoFit/>
+          </a:bodyPr>
+          <a:lstStyle/>
+          <a:p>
+            <a:r>
+              <a:rPr lang="fr-MC" sz="2400" dirty="0">
+                <a:latin typeface="Forte Forward" panose="020B0604020202020204" pitchFamily="2" charset="0"/>
+                <a:cs typeface="Forte Forward" panose="020B0604020202020204" pitchFamily="2" charset="0"/>
+              </a:rPr>
+              <a:t>Katty Perry </a:t>
+            </a:r>
+            <a:endParaRPr lang="fr-FR" sz="2400" dirty="0">
+              <a:latin typeface="Forte Forward" panose="020B0604020202020204" pitchFamily="2" charset="0"/>
+              <a:cs typeface="Forte Forward" panose="020B0604020202020204" pitchFamily="2" charset="0"/>
+            </a:endParaRPr>
+          </a:p>
+        </p:txBody>
+      </p:sp>
+      <p:sp>
+        <p:nvSpPr>
+          <p:cNvPr id="4" name="ZoneTexte 3">
+            <a:extLst>
+              <a:ext uri="{FF2B5EF4-FFF2-40B4-BE49-F238E27FC236}">
+                <a16:creationId xmlns:a16="http://schemas.microsoft.com/office/drawing/2014/main" id="{F5D7F001-91DA-928B-02E4-B24AF2025CF3}"/>
+              </a:ext>
+            </a:extLst>
+          </p:cNvPr>
+          <p:cNvSpPr txBox="1"/>
+          <p:nvPr/>
+        </p:nvSpPr>
+        <p:spPr>
+          <a:xfrm>
+            <a:off x="10094129" y="4277406"/>
+            <a:ext cx="2012877" cy="461665"/>
+          </a:xfrm>
+          <a:prstGeom prst="rect">
+            <a:avLst/>
+          </a:prstGeom>
+          <a:noFill/>
+        </p:spPr>
+        <p:txBody>
+          <a:bodyPr wrap="square" rtlCol="0">
+            <a:spAutoFit/>
+          </a:bodyPr>
+          <a:lstStyle/>
+          <a:p>
+            <a:r>
+              <a:rPr lang="fr-MC" sz="2400" dirty="0">
+                <a:latin typeface="Forte Forward" pitchFamily="2" charset="0"/>
+                <a:cs typeface="Forte Forward" pitchFamily="2" charset="0"/>
+              </a:rPr>
+              <a:t>Justin Bieber </a:t>
+            </a:r>
+            <a:endParaRPr lang="fr-FR" sz="2400" dirty="0">
+              <a:latin typeface="Forte Forward" pitchFamily="2" charset="0"/>
+              <a:cs typeface="Forte Forward" pitchFamily="2" charset="0"/>
+            </a:endParaRPr>
+          </a:p>
+        </p:txBody>
+      </p:sp>
+      <p:sp>
+        <p:nvSpPr>
+          <p:cNvPr id="8" name="ZoneTexte 7">
+            <a:extLst>
+              <a:ext uri="{FF2B5EF4-FFF2-40B4-BE49-F238E27FC236}">
+                <a16:creationId xmlns:a16="http://schemas.microsoft.com/office/drawing/2014/main" id="{DE36A325-71BA-C448-3EDD-DFFFADAE3426}"/>
+              </a:ext>
+            </a:extLst>
+          </p:cNvPr>
+          <p:cNvSpPr txBox="1"/>
+          <p:nvPr/>
+        </p:nvSpPr>
+        <p:spPr>
+          <a:xfrm>
+            <a:off x="10094129" y="4784566"/>
+            <a:ext cx="1677725" cy="461665"/>
+          </a:xfrm>
+          <a:prstGeom prst="rect">
+            <a:avLst/>
+          </a:prstGeom>
+          <a:noFill/>
+        </p:spPr>
+        <p:txBody>
+          <a:bodyPr wrap="square" rtlCol="0">
+            <a:spAutoFit/>
+          </a:bodyPr>
+          <a:lstStyle/>
+          <a:p>
+            <a:r>
+              <a:rPr lang="fr-MC" sz="2400" dirty="0">
+                <a:latin typeface="Forte Forward" pitchFamily="2" charset="0"/>
+                <a:cs typeface="Forte Forward" pitchFamily="2" charset="0"/>
+              </a:rPr>
+              <a:t>Marron 5  </a:t>
+            </a:r>
+            <a:endParaRPr lang="fr-FR" sz="2400" dirty="0">
+              <a:latin typeface="Forte Forward" pitchFamily="2" charset="0"/>
+              <a:cs typeface="Forte Forward" pitchFamily="2" charset="0"/>
+            </a:endParaRPr>
+          </a:p>
+        </p:txBody>
+      </p:sp>
+      <p:sp>
+        <p:nvSpPr>
+          <p:cNvPr id="11" name="ZoneTexte 10">
+            <a:extLst>
+              <a:ext uri="{FF2B5EF4-FFF2-40B4-BE49-F238E27FC236}">
+                <a16:creationId xmlns:a16="http://schemas.microsoft.com/office/drawing/2014/main" id="{47FF78B7-D814-8070-41B4-76A74790AE1B}"/>
+              </a:ext>
+            </a:extLst>
+          </p:cNvPr>
+          <p:cNvSpPr txBox="1"/>
+          <p:nvPr/>
+        </p:nvSpPr>
+        <p:spPr>
+          <a:xfrm>
+            <a:off x="10094129" y="5293077"/>
+            <a:ext cx="1677725" cy="461665"/>
+          </a:xfrm>
+          <a:prstGeom prst="rect">
+            <a:avLst/>
+          </a:prstGeom>
+          <a:noFill/>
+        </p:spPr>
+        <p:txBody>
+          <a:bodyPr wrap="square" rtlCol="0">
+            <a:spAutoFit/>
+          </a:bodyPr>
+          <a:lstStyle/>
+          <a:p>
+            <a:r>
+              <a:rPr lang="fr-MC" sz="2400" dirty="0">
+                <a:latin typeface="Forte Forward" pitchFamily="2" charset="0"/>
+                <a:cs typeface="Forte Forward" pitchFamily="2" charset="0"/>
+              </a:rPr>
+              <a:t>Rihanna </a:t>
+            </a:r>
+            <a:r>
+              <a:rPr lang="fr-MC" dirty="0"/>
+              <a:t> </a:t>
+            </a:r>
+            <a:endParaRPr lang="fr-FR" dirty="0"/>
+          </a:p>
+        </p:txBody>
+      </p:sp>
+      <p:sp>
+        <p:nvSpPr>
+          <p:cNvPr id="20" name="ZoneTexte 19">
+            <a:extLst>
+              <a:ext uri="{FF2B5EF4-FFF2-40B4-BE49-F238E27FC236}">
+                <a16:creationId xmlns:a16="http://schemas.microsoft.com/office/drawing/2014/main" id="{E04F8FD8-0618-1565-6B38-DEFDCC32B87F}"/>
+              </a:ext>
+            </a:extLst>
+          </p:cNvPr>
+          <p:cNvSpPr txBox="1"/>
+          <p:nvPr/>
+        </p:nvSpPr>
+        <p:spPr>
+          <a:xfrm>
+            <a:off x="10094129" y="5801588"/>
+            <a:ext cx="1958218" cy="461665"/>
+          </a:xfrm>
+          <a:prstGeom prst="rect">
+            <a:avLst/>
+          </a:prstGeom>
+          <a:noFill/>
+        </p:spPr>
+        <p:txBody>
+          <a:bodyPr wrap="square" rtlCol="0">
+            <a:spAutoFit/>
+          </a:bodyPr>
+          <a:lstStyle/>
+          <a:p>
+            <a:r>
+              <a:rPr lang="fr-MC" sz="2400" dirty="0">
+                <a:latin typeface="Forte Forward" pitchFamily="2" charset="0"/>
+                <a:cs typeface="Forte Forward" pitchFamily="2" charset="0"/>
+              </a:rPr>
+              <a:t>Lady Gaga  </a:t>
+            </a:r>
+            <a:endParaRPr lang="fr-FR" sz="2400" dirty="0">
+              <a:latin typeface="Forte Forward" pitchFamily="2" charset="0"/>
+              <a:cs typeface="Forte Forward" pitchFamily="2" charset="0"/>
+            </a:endParaRPr>
+          </a:p>
+        </p:txBody>
+      </p:sp>
+      <p:pic>
+        <p:nvPicPr>
+          <p:cNvPr id="24" name="Image 23">
+            <a:extLst>
+              <a:ext uri="{FF2B5EF4-FFF2-40B4-BE49-F238E27FC236}">
+                <a16:creationId xmlns:a16="http://schemas.microsoft.com/office/drawing/2014/main" id="{1E4662C9-F10B-362D-06B3-F8A421D3DEB9}"/>
+              </a:ext>
+            </a:extLst>
+          </p:cNvPr>
+          <p:cNvPicPr>
+            <a:picLocks noChangeAspect="1"/>
+          </p:cNvPicPr>
+          <p:nvPr/>
+        </p:nvPicPr>
+        <p:blipFill>
+          <a:blip r:embed="rId4">
+            <a:extLst>
+              <a:ext uri="{28A0092B-C50C-407E-A947-70E740481C1C}">
+                <a14:useLocalDpi xmlns:a14="http://schemas.microsoft.com/office/drawing/2010/main" val="0"/>
+              </a:ext>
+            </a:extLst>
+          </a:blip>
+          <a:stretch>
+            <a:fillRect/>
+          </a:stretch>
+        </p:blipFill>
+        <p:spPr>
+          <a:xfrm>
+            <a:off x="2941661" y="3945426"/>
+            <a:ext cx="1078413" cy="1572905"/>
+          </a:xfrm>
+          <a:prstGeom prst="rect">
+            <a:avLst/>
+          </a:prstGeom>
+          <a:ln>
+            <a:noFill/>
+          </a:ln>
+        </p:spPr>
+      </p:pic>
+      <p:sp>
+        <p:nvSpPr>
+          <p:cNvPr id="28" name="ZoneTexte 27">
+            <a:extLst>
+              <a:ext uri="{FF2B5EF4-FFF2-40B4-BE49-F238E27FC236}">
+                <a16:creationId xmlns:a16="http://schemas.microsoft.com/office/drawing/2014/main" id="{CF5ED373-A179-2597-1B67-53A4C59074C4}"/>
+              </a:ext>
+            </a:extLst>
+          </p:cNvPr>
+          <p:cNvSpPr txBox="1"/>
+          <p:nvPr/>
+        </p:nvSpPr>
+        <p:spPr>
+          <a:xfrm>
+            <a:off x="9409464" y="3780728"/>
+            <a:ext cx="739319" cy="461665"/>
+          </a:xfrm>
+          <a:prstGeom prst="rect">
+            <a:avLst/>
+          </a:prstGeom>
+          <a:noFill/>
+        </p:spPr>
+        <p:txBody>
+          <a:bodyPr wrap="square" rtlCol="0">
+            <a:spAutoFit/>
+          </a:bodyPr>
+          <a:lstStyle/>
+          <a:p>
+            <a:r>
+              <a:rPr lang="fr-MC" sz="2400" b="1" dirty="0"/>
+              <a:t>17</a:t>
+            </a:r>
+            <a:endParaRPr lang="fr-FR" sz="2400" b="1" dirty="0"/>
+          </a:p>
+        </p:txBody>
+      </p:sp>
+      <p:sp>
+        <p:nvSpPr>
+          <p:cNvPr id="29" name="ZoneTexte 28">
+            <a:extLst>
+              <a:ext uri="{FF2B5EF4-FFF2-40B4-BE49-F238E27FC236}">
+                <a16:creationId xmlns:a16="http://schemas.microsoft.com/office/drawing/2014/main" id="{4C3F1062-5AF6-445A-93B7-635B0408D274}"/>
+              </a:ext>
+            </a:extLst>
+          </p:cNvPr>
+          <p:cNvSpPr txBox="1"/>
+          <p:nvPr/>
+        </p:nvSpPr>
+        <p:spPr>
+          <a:xfrm>
+            <a:off x="8856000" y="4277407"/>
+            <a:ext cx="739319" cy="461665"/>
+          </a:xfrm>
+          <a:prstGeom prst="rect">
+            <a:avLst/>
+          </a:prstGeom>
+          <a:noFill/>
+        </p:spPr>
+        <p:txBody>
+          <a:bodyPr wrap="square" rtlCol="0">
+            <a:spAutoFit/>
+          </a:bodyPr>
+          <a:lstStyle/>
+          <a:p>
+            <a:r>
+              <a:rPr lang="fr-MC" sz="2400" b="1" dirty="0"/>
+              <a:t>16</a:t>
+            </a:r>
+            <a:endParaRPr lang="fr-FR" sz="2400" b="1" dirty="0"/>
+          </a:p>
+        </p:txBody>
+      </p:sp>
+      <p:sp>
+        <p:nvSpPr>
+          <p:cNvPr id="30" name="ZoneTexte 29">
+            <a:extLst>
+              <a:ext uri="{FF2B5EF4-FFF2-40B4-BE49-F238E27FC236}">
+                <a16:creationId xmlns:a16="http://schemas.microsoft.com/office/drawing/2014/main" id="{074B5948-A9C6-90B8-C00F-FE2E5B082080}"/>
+              </a:ext>
+            </a:extLst>
+          </p:cNvPr>
+          <p:cNvSpPr txBox="1"/>
+          <p:nvPr/>
+        </p:nvSpPr>
+        <p:spPr>
+          <a:xfrm>
+            <a:off x="8301600" y="4785242"/>
+            <a:ext cx="739319" cy="461665"/>
+          </a:xfrm>
+          <a:prstGeom prst="rect">
+            <a:avLst/>
+          </a:prstGeom>
+          <a:noFill/>
+        </p:spPr>
+        <p:txBody>
+          <a:bodyPr wrap="square" rtlCol="0">
+            <a:spAutoFit/>
+          </a:bodyPr>
+          <a:lstStyle/>
+          <a:p>
+            <a:r>
+              <a:rPr lang="fr-MC" sz="2400" b="1" dirty="0"/>
+              <a:t>15</a:t>
+            </a:r>
+            <a:endParaRPr lang="fr-FR" sz="2400" b="1" dirty="0"/>
+          </a:p>
+        </p:txBody>
+      </p:sp>
+      <p:sp>
+        <p:nvSpPr>
+          <p:cNvPr id="31" name="ZoneTexte 30">
+            <a:extLst>
+              <a:ext uri="{FF2B5EF4-FFF2-40B4-BE49-F238E27FC236}">
+                <a16:creationId xmlns:a16="http://schemas.microsoft.com/office/drawing/2014/main" id="{9C846BC6-3A01-3796-4747-A2A94601BE47}"/>
+              </a:ext>
+            </a:extLst>
+          </p:cNvPr>
+          <p:cNvSpPr txBox="1"/>
+          <p:nvPr/>
+        </p:nvSpPr>
+        <p:spPr>
+          <a:xfrm>
+            <a:off x="8301600" y="5293077"/>
+            <a:ext cx="739319" cy="461665"/>
+          </a:xfrm>
+          <a:prstGeom prst="rect">
+            <a:avLst/>
+          </a:prstGeom>
+          <a:noFill/>
+        </p:spPr>
+        <p:txBody>
+          <a:bodyPr wrap="square" rtlCol="0">
+            <a:spAutoFit/>
+          </a:bodyPr>
+          <a:lstStyle/>
+          <a:p>
+            <a:r>
+              <a:rPr lang="fr-MC" sz="2400" b="1" dirty="0"/>
+              <a:t>15</a:t>
+            </a:r>
+            <a:endParaRPr lang="fr-FR" sz="2400" b="1" dirty="0"/>
+          </a:p>
+        </p:txBody>
+      </p:sp>
+      <p:sp>
+        <p:nvSpPr>
+          <p:cNvPr id="32" name="ZoneTexte 31">
+            <a:extLst>
+              <a:ext uri="{FF2B5EF4-FFF2-40B4-BE49-F238E27FC236}">
+                <a16:creationId xmlns:a16="http://schemas.microsoft.com/office/drawing/2014/main" id="{2B109D41-6E14-57C9-DA58-4CAD6C4CB1EF}"/>
+              </a:ext>
+            </a:extLst>
+          </p:cNvPr>
+          <p:cNvSpPr txBox="1"/>
+          <p:nvPr/>
+        </p:nvSpPr>
+        <p:spPr>
+          <a:xfrm>
+            <a:off x="7772155" y="5789756"/>
+            <a:ext cx="739319" cy="461665"/>
+          </a:xfrm>
+          <a:prstGeom prst="rect">
+            <a:avLst/>
+          </a:prstGeom>
+          <a:noFill/>
+        </p:spPr>
+        <p:txBody>
+          <a:bodyPr wrap="square" rtlCol="0">
+            <a:spAutoFit/>
+          </a:bodyPr>
+          <a:lstStyle/>
+          <a:p>
+            <a:r>
+              <a:rPr lang="fr-MC" sz="2400" b="1" dirty="0"/>
+              <a:t>14</a:t>
+            </a:r>
+            <a:endParaRPr lang="fr-FR" sz="2400" b="1" dirty="0"/>
+          </a:p>
+        </p:txBody>
+      </p:sp>
+      <p:cxnSp>
+        <p:nvCxnSpPr>
+          <p:cNvPr id="33" name="Connecteur droit 32">
+            <a:extLst>
+              <a:ext uri="{FF2B5EF4-FFF2-40B4-BE49-F238E27FC236}">
+                <a16:creationId xmlns:a16="http://schemas.microsoft.com/office/drawing/2014/main" id="{1C926E4B-8825-529D-A7F1-5D9502A93F24}"/>
+              </a:ext>
+            </a:extLst>
+          </p:cNvPr>
+          <p:cNvCxnSpPr/>
+          <p:nvPr/>
+        </p:nvCxnSpPr>
+        <p:spPr>
+          <a:xfrm>
+            <a:off x="1599501" y="490056"/>
+            <a:ext cx="1080000" cy="0"/>
+          </a:xfrm>
+          <a:prstGeom prst="line">
+            <a:avLst/>
+          </a:prstGeom>
+          <a:ln w="76200">
+            <a:solidFill>
+              <a:schemeClr val="tx1">
+                <a:lumMod val="75000"/>
+                <a:lumOff val="25000"/>
+              </a:schemeClr>
+            </a:solidFill>
+          </a:ln>
+        </p:spPr>
+        <p:style>
+          <a:lnRef idx="1">
+            <a:schemeClr val="accent1"/>
+          </a:lnRef>
+          <a:fillRef idx="0">
+            <a:schemeClr val="accent1"/>
+          </a:fillRef>
+          <a:effectRef idx="0">
+            <a:schemeClr val="accent1"/>
+          </a:effectRef>
+          <a:fontRef idx="minor">
+            <a:schemeClr val="tx1"/>
+          </a:fontRef>
+        </p:style>
+      </p:cxnSp>
+      <p:cxnSp>
+        <p:nvCxnSpPr>
+          <p:cNvPr id="35" name="Connecteur droit 34">
+            <a:extLst>
+              <a:ext uri="{FF2B5EF4-FFF2-40B4-BE49-F238E27FC236}">
+                <a16:creationId xmlns:a16="http://schemas.microsoft.com/office/drawing/2014/main" id="{A58A7666-AF74-576D-23CA-E5F69FD5A269}"/>
+              </a:ext>
+            </a:extLst>
+          </p:cNvPr>
+          <p:cNvCxnSpPr/>
+          <p:nvPr/>
+        </p:nvCxnSpPr>
+        <p:spPr>
+          <a:xfrm>
+            <a:off x="1582993" y="1500276"/>
+            <a:ext cx="792000" cy="0"/>
+          </a:xfrm>
+          <a:prstGeom prst="line">
+            <a:avLst/>
+          </a:prstGeom>
+          <a:ln w="76200">
+            <a:solidFill>
+              <a:schemeClr val="tx1">
+                <a:lumMod val="75000"/>
+                <a:lumOff val="25000"/>
+              </a:schemeClr>
+            </a:solidFill>
+          </a:ln>
+        </p:spPr>
+        <p:style>
+          <a:lnRef idx="1">
+            <a:schemeClr val="accent1"/>
+          </a:lnRef>
+          <a:fillRef idx="0">
+            <a:schemeClr val="accent1"/>
+          </a:fillRef>
+          <a:effectRef idx="0">
+            <a:schemeClr val="accent1"/>
+          </a:effectRef>
+          <a:fontRef idx="minor">
+            <a:schemeClr val="tx1"/>
+          </a:fontRef>
+        </p:style>
+      </p:cxnSp>
+      <p:cxnSp>
+        <p:nvCxnSpPr>
+          <p:cNvPr id="36" name="Connecteur droit 35">
+            <a:extLst>
+              <a:ext uri="{FF2B5EF4-FFF2-40B4-BE49-F238E27FC236}">
+                <a16:creationId xmlns:a16="http://schemas.microsoft.com/office/drawing/2014/main" id="{2A49CEF2-E3F2-007D-CEEB-DB6B6548DC6C}"/>
+              </a:ext>
+            </a:extLst>
+          </p:cNvPr>
+          <p:cNvCxnSpPr/>
+          <p:nvPr/>
+        </p:nvCxnSpPr>
+        <p:spPr>
+          <a:xfrm>
+            <a:off x="1582993" y="2020118"/>
+            <a:ext cx="612000" cy="0"/>
+          </a:xfrm>
+          <a:prstGeom prst="line">
+            <a:avLst/>
+          </a:prstGeom>
+          <a:ln w="76200">
+            <a:solidFill>
+              <a:schemeClr val="tx1">
+                <a:lumMod val="75000"/>
+                <a:lumOff val="25000"/>
+              </a:schemeClr>
+            </a:solidFill>
+          </a:ln>
+        </p:spPr>
+        <p:style>
+          <a:lnRef idx="1">
+            <a:schemeClr val="accent1"/>
+          </a:lnRef>
+          <a:fillRef idx="0">
+            <a:schemeClr val="accent1"/>
+          </a:fillRef>
+          <a:effectRef idx="0">
+            <a:schemeClr val="accent1"/>
+          </a:effectRef>
+          <a:fontRef idx="minor">
+            <a:schemeClr val="tx1"/>
+          </a:fontRef>
+        </p:style>
+      </p:cxnSp>
+      <p:pic>
+        <p:nvPicPr>
+          <p:cNvPr id="34" name="Image 33">
+            <a:extLst>
+              <a:ext uri="{FF2B5EF4-FFF2-40B4-BE49-F238E27FC236}">
+                <a16:creationId xmlns:a16="http://schemas.microsoft.com/office/drawing/2014/main" id="{808226AA-950A-FA8E-B245-C6A5B5656048}"/>
+              </a:ext>
+            </a:extLst>
+          </p:cNvPr>
+          <p:cNvPicPr>
+            <a:picLocks/>
+          </p:cNvPicPr>
+          <p:nvPr/>
+        </p:nvPicPr>
+        <p:blipFill>
+          <a:blip r:embed="rId4">
+            <a:extLst>
+              <a:ext uri="{28A0092B-C50C-407E-A947-70E740481C1C}">
+                <a14:useLocalDpi xmlns:a14="http://schemas.microsoft.com/office/drawing/2010/main" val="0"/>
+              </a:ext>
+            </a:extLst>
+          </a:blip>
+          <a:stretch>
+            <a:fillRect/>
+          </a:stretch>
+        </p:blipFill>
+        <p:spPr>
+          <a:xfrm flipV="1">
+            <a:off x="1808341" y="221665"/>
+            <a:ext cx="1078413" cy="1573200"/>
+          </a:xfrm>
+          <a:prstGeom prst="rect">
+            <a:avLst/>
+          </a:prstGeom>
+          <a:ln>
+            <a:noFill/>
+          </a:ln>
+        </p:spPr>
+      </p:pic>
+      <p:sp>
+        <p:nvSpPr>
+          <p:cNvPr id="41" name="ZoneTexte 40">
+            <a:extLst>
+              <a:ext uri="{FF2B5EF4-FFF2-40B4-BE49-F238E27FC236}">
+                <a16:creationId xmlns:a16="http://schemas.microsoft.com/office/drawing/2014/main" id="{A3766FFF-D495-EBBA-5EED-3C07F485F956}"/>
+              </a:ext>
+            </a:extLst>
+          </p:cNvPr>
+          <p:cNvSpPr txBox="1"/>
+          <p:nvPr/>
+        </p:nvSpPr>
+        <p:spPr>
+          <a:xfrm rot="16200000">
+            <a:off x="2514075" y="2753233"/>
+            <a:ext cx="1926706" cy="523220"/>
+          </a:xfrm>
+          <a:prstGeom prst="rect">
+            <a:avLst/>
+          </a:prstGeom>
+          <a:noFill/>
+        </p:spPr>
+        <p:txBody>
+          <a:bodyPr wrap="square" rtlCol="0">
+            <a:spAutoFit/>
+          </a:bodyPr>
+          <a:lstStyle/>
+          <a:p>
+            <a:r>
+              <a:rPr lang="fr-MC" sz="2800" dirty="0">
+                <a:latin typeface="Forte Forward" panose="020B0604020202020204" pitchFamily="2" charset="0"/>
+                <a:cs typeface="Forte Forward" panose="020B0604020202020204" pitchFamily="2" charset="0"/>
+              </a:rPr>
+              <a:t>Pop</a:t>
+            </a:r>
+            <a:endParaRPr lang="fr-FR" sz="2800" dirty="0">
+              <a:latin typeface="Forte Forward" panose="020B0604020202020204" pitchFamily="2" charset="0"/>
+              <a:cs typeface="Forte Forward" panose="020B0604020202020204" pitchFamily="2" charset="0"/>
+            </a:endParaRPr>
+          </a:p>
+        </p:txBody>
+      </p:sp>
+      <p:sp>
+        <p:nvSpPr>
+          <p:cNvPr id="42" name="ZoneTexte 41">
+            <a:extLst>
+              <a:ext uri="{FF2B5EF4-FFF2-40B4-BE49-F238E27FC236}">
+                <a16:creationId xmlns:a16="http://schemas.microsoft.com/office/drawing/2014/main" id="{D4C44E1C-90DA-9C98-5F73-894361A53C92}"/>
+              </a:ext>
+            </a:extLst>
+          </p:cNvPr>
+          <p:cNvSpPr txBox="1"/>
+          <p:nvPr/>
+        </p:nvSpPr>
+        <p:spPr>
+          <a:xfrm rot="16200000">
+            <a:off x="3232880" y="2256526"/>
+            <a:ext cx="2943704" cy="523220"/>
+          </a:xfrm>
+          <a:prstGeom prst="rect">
+            <a:avLst/>
+          </a:prstGeom>
+          <a:noFill/>
+        </p:spPr>
+        <p:txBody>
+          <a:bodyPr wrap="square" rtlCol="0">
+            <a:spAutoFit/>
+          </a:bodyPr>
+          <a:lstStyle/>
+          <a:p>
+            <a:r>
+              <a:rPr lang="fr-MC" sz="2800" dirty="0">
+                <a:latin typeface="Forte Forward" panose="020B0604020202020204" pitchFamily="2" charset="0"/>
+                <a:cs typeface="Forte Forward" panose="020B0604020202020204" pitchFamily="2" charset="0"/>
+              </a:rPr>
+              <a:t>Canadian Pop</a:t>
+            </a:r>
+            <a:endParaRPr lang="fr-FR" sz="2800" dirty="0">
+              <a:latin typeface="Forte Forward" panose="020B0604020202020204" pitchFamily="2" charset="0"/>
+              <a:cs typeface="Forte Forward" panose="020B0604020202020204" pitchFamily="2" charset="0"/>
+            </a:endParaRPr>
+          </a:p>
+        </p:txBody>
+      </p:sp>
+      <p:sp>
+        <p:nvSpPr>
+          <p:cNvPr id="43" name="ZoneTexte 42">
+            <a:extLst>
+              <a:ext uri="{FF2B5EF4-FFF2-40B4-BE49-F238E27FC236}">
+                <a16:creationId xmlns:a16="http://schemas.microsoft.com/office/drawing/2014/main" id="{17B43C44-C4A9-F2BC-B74A-5889F86D4ABF}"/>
+              </a:ext>
+            </a:extLst>
+          </p:cNvPr>
+          <p:cNvSpPr txBox="1"/>
+          <p:nvPr/>
+        </p:nvSpPr>
+        <p:spPr>
+          <a:xfrm rot="16200000">
+            <a:off x="5651662" y="2265323"/>
+            <a:ext cx="2803039" cy="523220"/>
+          </a:xfrm>
+          <a:prstGeom prst="rect">
+            <a:avLst/>
+          </a:prstGeom>
+          <a:noFill/>
+        </p:spPr>
+        <p:txBody>
+          <a:bodyPr wrap="square" rtlCol="0">
+            <a:spAutoFit/>
+          </a:bodyPr>
+          <a:lstStyle/>
+          <a:p>
+            <a:r>
+              <a:rPr lang="en-US" sz="2800" dirty="0">
+                <a:latin typeface="Forte Forward" panose="020B0604020202020204" pitchFamily="2" charset="0"/>
+                <a:cs typeface="Forte Forward" panose="020B0604020202020204" pitchFamily="2" charset="0"/>
+              </a:rPr>
+              <a:t>Barbadian</a:t>
+            </a:r>
+            <a:r>
+              <a:rPr lang="fr-MC" sz="2800" dirty="0">
+                <a:latin typeface="Forte Forward" panose="020B0604020202020204" pitchFamily="2" charset="0"/>
+                <a:cs typeface="Forte Forward" panose="020B0604020202020204" pitchFamily="2" charset="0"/>
+              </a:rPr>
+              <a:t> Pop</a:t>
+            </a:r>
+            <a:endParaRPr lang="fr-FR" sz="2800" dirty="0">
+              <a:latin typeface="Forte Forward" panose="020B0604020202020204" pitchFamily="2" charset="0"/>
+              <a:cs typeface="Forte Forward" panose="020B0604020202020204" pitchFamily="2" charset="0"/>
+            </a:endParaRPr>
+          </a:p>
+        </p:txBody>
+      </p:sp>
+      <p:sp>
+        <p:nvSpPr>
+          <p:cNvPr id="44" name="ZoneTexte 43">
+            <a:extLst>
+              <a:ext uri="{FF2B5EF4-FFF2-40B4-BE49-F238E27FC236}">
+                <a16:creationId xmlns:a16="http://schemas.microsoft.com/office/drawing/2014/main" id="{03693647-4D5D-2857-0E9A-8E1DA5DDFC38}"/>
+              </a:ext>
+            </a:extLst>
+          </p:cNvPr>
+          <p:cNvSpPr txBox="1"/>
+          <p:nvPr/>
+        </p:nvSpPr>
+        <p:spPr>
+          <a:xfrm rot="16200000">
+            <a:off x="4530517" y="2348431"/>
+            <a:ext cx="2803039" cy="523220"/>
+          </a:xfrm>
+          <a:prstGeom prst="rect">
+            <a:avLst/>
+          </a:prstGeom>
+          <a:noFill/>
+        </p:spPr>
+        <p:txBody>
+          <a:bodyPr wrap="square" rtlCol="0">
+            <a:spAutoFit/>
+          </a:bodyPr>
+          <a:lstStyle/>
+          <a:p>
+            <a:r>
+              <a:rPr lang="fr-MC" sz="2800" dirty="0">
+                <a:latin typeface="Forte Forward" panose="020B0604020202020204" pitchFamily="2" charset="0"/>
+                <a:cs typeface="Forte Forward" panose="020B0604020202020204" pitchFamily="2" charset="0"/>
+              </a:rPr>
+              <a:t>Boy Band</a:t>
+            </a:r>
+            <a:endParaRPr lang="fr-FR" sz="2800" dirty="0">
+              <a:latin typeface="Forte Forward" panose="020B0604020202020204" pitchFamily="2" charset="0"/>
+              <a:cs typeface="Forte Forward" panose="020B0604020202020204" pitchFamily="2" charset="0"/>
+            </a:endParaRPr>
+          </a:p>
+        </p:txBody>
+      </p:sp>
+      <p:sp>
+        <p:nvSpPr>
+          <p:cNvPr id="46" name="ZoneTexte 45">
+            <a:extLst>
+              <a:ext uri="{FF2B5EF4-FFF2-40B4-BE49-F238E27FC236}">
+                <a16:creationId xmlns:a16="http://schemas.microsoft.com/office/drawing/2014/main" id="{80E91DF7-7EA8-E736-511D-FB9B53482BA2}"/>
+              </a:ext>
+            </a:extLst>
+          </p:cNvPr>
+          <p:cNvSpPr txBox="1"/>
+          <p:nvPr/>
+        </p:nvSpPr>
+        <p:spPr>
+          <a:xfrm>
+            <a:off x="2886754" y="0"/>
+            <a:ext cx="8970201" cy="1569660"/>
+          </a:xfrm>
+          <a:prstGeom prst="rect">
+            <a:avLst/>
+          </a:prstGeom>
+          <a:noFill/>
+        </p:spPr>
+        <p:txBody>
+          <a:bodyPr wrap="square" rtlCol="0">
+            <a:spAutoFit/>
+          </a:bodyPr>
+          <a:lstStyle/>
+          <a:p>
+            <a:pPr algn="r"/>
+            <a:r>
+              <a:rPr lang="en-US" sz="3200" dirty="0">
+                <a:latin typeface="Forte" panose="03060902040502070203" pitchFamily="66" charset="0"/>
+              </a:rPr>
+              <a:t>Dance Pop Plays Octaves Higher Than Other Genres Whiles A Few Artists Leads The Rhythm Of The Industry  </a:t>
+            </a:r>
+          </a:p>
+        </p:txBody>
+      </p:sp>
+      <p:sp>
+        <p:nvSpPr>
+          <p:cNvPr id="12" name="ZoneTexte 11">
+            <a:extLst>
+              <a:ext uri="{FF2B5EF4-FFF2-40B4-BE49-F238E27FC236}">
+                <a16:creationId xmlns:a16="http://schemas.microsoft.com/office/drawing/2014/main" id="{2BC26743-540E-5261-BE04-3FAF89258016}"/>
+              </a:ext>
+            </a:extLst>
+          </p:cNvPr>
+          <p:cNvSpPr txBox="1"/>
+          <p:nvPr/>
+        </p:nvSpPr>
+        <p:spPr>
+          <a:xfrm>
+            <a:off x="1808341" y="252924"/>
+            <a:ext cx="758661" cy="461665"/>
+          </a:xfrm>
+          <a:prstGeom prst="rect">
+            <a:avLst/>
+          </a:prstGeom>
+          <a:noFill/>
+        </p:spPr>
+        <p:txBody>
+          <a:bodyPr wrap="square" rtlCol="0">
+            <a:spAutoFit/>
+          </a:bodyPr>
+          <a:lstStyle/>
+          <a:p>
+            <a:r>
+              <a:rPr lang="fr-MC" sz="2400" b="1" dirty="0">
+                <a:solidFill>
+                  <a:schemeClr val="bg1"/>
+                </a:solidFill>
+              </a:rPr>
+              <a:t>327</a:t>
+            </a:r>
+            <a:endParaRPr lang="fr-FR" sz="2400" b="1" dirty="0">
+              <a:solidFill>
+                <a:schemeClr val="bg1"/>
+              </a:solidFill>
+            </a:endParaRPr>
+          </a:p>
+        </p:txBody>
+      </p:sp>
+      <p:sp>
+        <p:nvSpPr>
+          <p:cNvPr id="13" name="ZoneTexte 12">
+            <a:extLst>
+              <a:ext uri="{FF2B5EF4-FFF2-40B4-BE49-F238E27FC236}">
+                <a16:creationId xmlns:a16="http://schemas.microsoft.com/office/drawing/2014/main" id="{46ACD565-391C-D863-BCC9-B39D8DBB93D4}"/>
+              </a:ext>
+            </a:extLst>
+          </p:cNvPr>
+          <p:cNvSpPr txBox="1"/>
+          <p:nvPr/>
+        </p:nvSpPr>
+        <p:spPr>
+          <a:xfrm>
+            <a:off x="2929064" y="5019143"/>
+            <a:ext cx="758661" cy="461665"/>
+          </a:xfrm>
+          <a:prstGeom prst="rect">
+            <a:avLst/>
+          </a:prstGeom>
+          <a:noFill/>
+        </p:spPr>
+        <p:txBody>
+          <a:bodyPr wrap="square" rtlCol="0">
+            <a:spAutoFit/>
+          </a:bodyPr>
+          <a:lstStyle/>
+          <a:p>
+            <a:r>
+              <a:rPr lang="fr-MC" sz="2400" b="1" dirty="0">
+                <a:solidFill>
+                  <a:schemeClr val="bg1"/>
+                </a:solidFill>
+              </a:rPr>
+              <a:t> 60</a:t>
+            </a:r>
+            <a:endParaRPr lang="fr-FR" sz="2400" b="1" dirty="0">
+              <a:solidFill>
+                <a:schemeClr val="bg1"/>
+              </a:solidFill>
+            </a:endParaRPr>
+          </a:p>
+        </p:txBody>
+      </p:sp>
+      <p:sp>
+        <p:nvSpPr>
+          <p:cNvPr id="14" name="ZoneTexte 13">
+            <a:extLst>
+              <a:ext uri="{FF2B5EF4-FFF2-40B4-BE49-F238E27FC236}">
+                <a16:creationId xmlns:a16="http://schemas.microsoft.com/office/drawing/2014/main" id="{9103E99E-8760-91DE-C0D6-9134C402FEE7}"/>
+              </a:ext>
+            </a:extLst>
+          </p:cNvPr>
+          <p:cNvSpPr txBox="1"/>
+          <p:nvPr/>
+        </p:nvSpPr>
+        <p:spPr>
+          <a:xfrm>
+            <a:off x="4146190" y="5541339"/>
+            <a:ext cx="758661" cy="461665"/>
+          </a:xfrm>
+          <a:prstGeom prst="rect">
+            <a:avLst/>
+          </a:prstGeom>
+          <a:noFill/>
+        </p:spPr>
+        <p:txBody>
+          <a:bodyPr wrap="square" rtlCol="0">
+            <a:spAutoFit/>
+          </a:bodyPr>
+          <a:lstStyle/>
+          <a:p>
+            <a:r>
+              <a:rPr lang="fr-MC" sz="2400" b="1" dirty="0">
+                <a:solidFill>
+                  <a:schemeClr val="bg1"/>
+                </a:solidFill>
+              </a:rPr>
+              <a:t> 34</a:t>
+            </a:r>
+            <a:endParaRPr lang="fr-FR" sz="2400" b="1" dirty="0">
+              <a:solidFill>
+                <a:schemeClr val="bg1"/>
+              </a:solidFill>
+            </a:endParaRPr>
+          </a:p>
+        </p:txBody>
+      </p:sp>
+      <p:sp>
+        <p:nvSpPr>
+          <p:cNvPr id="16" name="ZoneTexte 15">
+            <a:extLst>
+              <a:ext uri="{FF2B5EF4-FFF2-40B4-BE49-F238E27FC236}">
+                <a16:creationId xmlns:a16="http://schemas.microsoft.com/office/drawing/2014/main" id="{DF2BC308-A753-D6F7-2340-C48144B66B8A}"/>
+              </a:ext>
+            </a:extLst>
+          </p:cNvPr>
+          <p:cNvSpPr txBox="1"/>
+          <p:nvPr/>
+        </p:nvSpPr>
+        <p:spPr>
+          <a:xfrm>
+            <a:off x="6613193" y="5827281"/>
+            <a:ext cx="758661" cy="461665"/>
+          </a:xfrm>
+          <a:prstGeom prst="rect">
+            <a:avLst/>
+          </a:prstGeom>
+          <a:noFill/>
+        </p:spPr>
+        <p:txBody>
+          <a:bodyPr wrap="square" rtlCol="0">
+            <a:spAutoFit/>
+          </a:bodyPr>
+          <a:lstStyle/>
+          <a:p>
+            <a:r>
+              <a:rPr lang="fr-MC" sz="2400" b="1" dirty="0">
+                <a:solidFill>
+                  <a:schemeClr val="bg1"/>
+                </a:solidFill>
+              </a:rPr>
+              <a:t> 15</a:t>
+            </a:r>
+            <a:endParaRPr lang="fr-FR" sz="2400" b="1" dirty="0">
+              <a:solidFill>
+                <a:schemeClr val="bg1"/>
+              </a:solidFill>
+            </a:endParaRPr>
+          </a:p>
+        </p:txBody>
+      </p:sp>
+      <p:sp>
+        <p:nvSpPr>
+          <p:cNvPr id="18" name="ZoneTexte 17">
+            <a:extLst>
+              <a:ext uri="{FF2B5EF4-FFF2-40B4-BE49-F238E27FC236}">
+                <a16:creationId xmlns:a16="http://schemas.microsoft.com/office/drawing/2014/main" id="{AB43CD71-1291-DA93-4C25-DCD464EE582B}"/>
+              </a:ext>
+            </a:extLst>
+          </p:cNvPr>
+          <p:cNvSpPr txBox="1"/>
+          <p:nvPr/>
+        </p:nvSpPr>
+        <p:spPr>
+          <a:xfrm>
+            <a:off x="5369580" y="5812584"/>
+            <a:ext cx="758661" cy="461665"/>
+          </a:xfrm>
+          <a:prstGeom prst="rect">
+            <a:avLst/>
+          </a:prstGeom>
+          <a:noFill/>
+        </p:spPr>
+        <p:txBody>
+          <a:bodyPr wrap="square" rtlCol="0">
+            <a:spAutoFit/>
+          </a:bodyPr>
+          <a:lstStyle/>
+          <a:p>
+            <a:r>
+              <a:rPr lang="fr-MC" sz="2400" b="1" dirty="0">
+                <a:solidFill>
+                  <a:schemeClr val="bg1"/>
+                </a:solidFill>
+              </a:rPr>
+              <a:t> 15</a:t>
+            </a:r>
+            <a:endParaRPr lang="fr-FR" sz="2400" b="1" dirty="0">
+              <a:solidFill>
+                <a:schemeClr val="bg1"/>
+              </a:solidFill>
+            </a:endParaRPr>
+          </a:p>
+        </p:txBody>
+      </p:sp>
+      <p:sp>
+        <p:nvSpPr>
+          <p:cNvPr id="27" name="ZoneTexte 26">
+            <a:extLst>
+              <a:ext uri="{FF2B5EF4-FFF2-40B4-BE49-F238E27FC236}">
+                <a16:creationId xmlns:a16="http://schemas.microsoft.com/office/drawing/2014/main" id="{4155E58A-D5F0-3370-C7BA-2BC329CBAB13}"/>
+              </a:ext>
+            </a:extLst>
+          </p:cNvPr>
+          <p:cNvSpPr txBox="1"/>
+          <p:nvPr/>
+        </p:nvSpPr>
+        <p:spPr>
+          <a:xfrm>
+            <a:off x="9276957" y="2884612"/>
+            <a:ext cx="2932211" cy="707886"/>
+          </a:xfrm>
+          <a:prstGeom prst="rect">
+            <a:avLst/>
+          </a:prstGeom>
+          <a:noFill/>
+        </p:spPr>
+        <p:txBody>
+          <a:bodyPr wrap="square" rtlCol="0">
+            <a:spAutoFit/>
+          </a:bodyPr>
+          <a:lstStyle/>
+          <a:p>
+            <a:r>
+              <a:rPr lang="en-US" sz="2000" b="0" dirty="0">
+                <a:effectLst/>
+                <a:latin typeface="Forte" panose="03060902040502070203" pitchFamily="66" charset="0"/>
+              </a:rPr>
+              <a:t>Top Artists by Number of Songs in the top 50</a:t>
+            </a:r>
+          </a:p>
+        </p:txBody>
+      </p:sp>
+      <p:sp>
+        <p:nvSpPr>
+          <p:cNvPr id="15" name="Espace réservé du pied de page 14">
+            <a:extLst>
+              <a:ext uri="{FF2B5EF4-FFF2-40B4-BE49-F238E27FC236}">
+                <a16:creationId xmlns:a16="http://schemas.microsoft.com/office/drawing/2014/main" id="{3DF74E7E-BF7F-1CFA-0B70-EBE1FCF2E45B}"/>
+              </a:ext>
+            </a:extLst>
+          </p:cNvPr>
+          <p:cNvSpPr>
+            <a:spLocks noGrp="1"/>
+          </p:cNvSpPr>
+          <p:nvPr>
+            <p:ph type="ftr" sz="quarter" idx="11"/>
+          </p:nvPr>
+        </p:nvSpPr>
+        <p:spPr/>
+        <p:txBody>
+          <a:bodyPr/>
+          <a:lstStyle/>
+          <a:p>
+            <a:r>
+              <a:rPr lang="fr-FR" b="1" dirty="0">
+                <a:solidFill>
+                  <a:schemeClr val="tx1"/>
+                </a:solidFill>
+              </a:rPr>
+              <a:t>Melvyn ROLLAND</a:t>
+            </a:r>
+          </a:p>
+        </p:txBody>
+      </p:sp>
+      <p:sp>
+        <p:nvSpPr>
+          <p:cNvPr id="26" name="Espace réservé du numéro de diapositive 25">
+            <a:extLst>
+              <a:ext uri="{FF2B5EF4-FFF2-40B4-BE49-F238E27FC236}">
+                <a16:creationId xmlns:a16="http://schemas.microsoft.com/office/drawing/2014/main" id="{3D8EC735-8270-00C6-E3F7-CEB0164AE9D6}"/>
+              </a:ext>
+            </a:extLst>
+          </p:cNvPr>
+          <p:cNvSpPr>
+            <a:spLocks noGrp="1"/>
+          </p:cNvSpPr>
+          <p:nvPr>
+            <p:ph type="sldNum" sz="quarter" idx="12"/>
+          </p:nvPr>
+        </p:nvSpPr>
+        <p:spPr/>
+        <p:txBody>
+          <a:bodyPr/>
+          <a:lstStyle/>
+          <a:p>
+            <a:fld id="{A63C901F-7855-473E-A3D3-91CDAB6A6501}" type="slidenum">
+              <a:rPr lang="fr-FR" smtClean="0"/>
+              <a:t>3</a:t>
+            </a:fld>
+            <a:endParaRPr lang="fr-FR"/>
+          </a:p>
+        </p:txBody>
+      </p:sp>
+    </p:spTree>
+    <p:extLst>
+      <p:ext uri="{BB962C8B-B14F-4D97-AF65-F5344CB8AC3E}">
+        <p14:creationId xmlns:p14="http://schemas.microsoft.com/office/powerpoint/2010/main" val="1086599141"/>
       </p:ext>
     </p:extLst>
   </p:cSld>
@@ -12431,18 +12535,13 @@
               </a:spcAft>
             </a:pPr>
             <a:r>
-              <a:rPr lang="fr-FR">
+              <a:rPr lang="fr-FR" dirty="0">
                 <a:solidFill>
                   <a:schemeClr val="bg1"/>
                 </a:solidFill>
               </a:rPr>
               <a:t>Melvyn ROLLAND</a:t>
             </a:r>
-            <a:endParaRPr lang="fr-FR" dirty="0">
-              <a:solidFill>
-                <a:schemeClr val="bg1"/>
-              </a:solidFill>
-            </a:endParaRPr>
           </a:p>
         </p:txBody>
       </p:sp>
@@ -12756,34 +12855,6 @@
           </a:effectLst>
         </p:spPr>
       </p:pic>
-      <p:sp>
-        <p:nvSpPr>
-          <p:cNvPr id="2" name="Espace réservé du pied de page 1">
-            <a:extLst>
-              <a:ext uri="{FF2B5EF4-FFF2-40B4-BE49-F238E27FC236}">
-                <a16:creationId xmlns:a16="http://schemas.microsoft.com/office/drawing/2014/main" id="{2224E138-2848-0FD5-9C7C-54DE09DF7CCA}"/>
-              </a:ext>
-            </a:extLst>
-          </p:cNvPr>
-          <p:cNvSpPr>
-            <a:spLocks noGrp="1"/>
-          </p:cNvSpPr>
-          <p:nvPr>
-            <p:ph type="ftr" sz="quarter" idx="11"/>
-          </p:nvPr>
-        </p:nvSpPr>
-        <p:spPr/>
-        <p:txBody>
-          <a:bodyPr/>
-          <a:lstStyle/>
-          <a:p>
-            <a:r>
-              <a:rPr lang="fr-FR"/>
-              <a:t>Melvyn ROLLAND</a:t>
-            </a:r>
-          </a:p>
-        </p:txBody>
-      </p:sp>
       <p:sp>
         <p:nvSpPr>
           <p:cNvPr id="3" name="Espace réservé du numéro de diapositive 2">
